--- a/GeneratedResults/new_presentation.pptx
+++ b/GeneratedResults/new_presentation.pptx
@@ -3090,26 +3090,54 @@
         <p:nvPr/>
       </p:nvGrpSpPr>
       <p:grpSpPr/>
-      <p:sp>
-        <p:nvSpPr>
-          <p:cNvPr id="2" name="object 2"/>
-          <p:cNvSpPr txBox="1">
-            <a:spLocks noGrp="1"/>
-          </p:cNvSpPr>
-          <p:nvPr>
-            <p:ph type="title"/>
-          </p:nvPr>
-        </p:nvSpPr>
+      <p:pic>
+        <p:nvPicPr>
+          <p:cNvPr id="2" name="Picture 1" descr="image.png"/>
+          <p:cNvPicPr>
+            <a:picLocks noChangeAspect="1"/>
+          </p:cNvPicPr>
+          <p:nvPr/>
+        </p:nvPicPr>
+        <p:blipFill>
+          <a:blip r:embed="rId2"/>
+          <a:stretch>
+            <a:fillRect/>
+          </a:stretch>
+        </p:blipFill>
         <p:spPr>
-          <a:prstGeom prst="rect"/>
+          <a:xfrm>
+            <a:off x="528827" y="59435"/>
+            <a:ext cx="8120633" cy="1229106"/>
+          </a:xfrm>
+          <a:prstGeom prst="rect">
+            <a:avLst/>
+          </a:prstGeom>
         </p:spPr>
-        <p:txBody>
-          <a:bodyPr wrap="square" lIns="0" tIns="12700" rIns="0" bIns="0" rtlCol="0" vert="horz">
+      </p:pic>
+      <p:sp>
+        <p:nvSpPr>
+          <p:cNvPr id="3" name="TextBox 2"/>
+          <p:cNvSpPr txBox="1"/>
+          <p:nvPr/>
+        </p:nvSpPr>
+        <p:spPr>
+          <a:xfrm>
+            <a:off x="114401" y="-127304"/>
+            <a:ext cx="8915196" cy="1367790"/>
+          </a:xfrm>
+          <a:prstGeom prst="rect">
+            <a:avLst/>
+          </a:prstGeom>
+          <a:noFill/>
+        </p:spPr>
+        <p:txBody>
+          <a:bodyPr wrap="square">
             <a:spAutoFit/>
           </a:bodyPr>
           <a:lstStyle/>
-          <a:p>
-            <a:pPr marL="12700">
+          <a:p/>
+          <a:p>
+            <a:pPr>
               <a:lnSpc>
                 <a:spcPct val="100000"/>
               </a:lnSpc>
@@ -3118,834 +3146,553 @@
               </a:spcBef>
             </a:pPr>
             <a:r>
-              <a:rPr dirty="0" sz="3200"/>
-              <a:t>Disadvantages</a:t>
-            </a:r>
-            <a:r>
-              <a:rPr dirty="0" sz="3200" spc="-145"/>
-              <a:t> </a:t>
-            </a:r>
-            <a:r>
-              <a:rPr dirty="0" sz="3200" spc="225"/>
-              <a:t>of</a:t>
-            </a:r>
-            <a:r>
-              <a:rPr dirty="0" sz="3200" spc="-140"/>
-              <a:t> </a:t>
-            </a:r>
-            <a:r>
-              <a:rPr dirty="0" sz="3200" spc="95"/>
-              <a:t>Artificial</a:t>
-            </a:r>
-            <a:r>
-              <a:rPr dirty="0" sz="3200" spc="-140"/>
-              <a:t> </a:t>
-            </a:r>
-            <a:r>
-              <a:rPr dirty="0" sz="3200" spc="50"/>
-              <a:t>Intelligence</a:t>
-            </a:r>
-            <a:endParaRPr sz="3200"/>
-          </a:p>
-        </p:txBody>
-      </p:sp>
-      <p:sp>
-        <p:nvSpPr>
-          <p:cNvPr id="3" name="object 3" descr=""/>
-          <p:cNvSpPr txBox="1"/>
-          <p:nvPr/>
-        </p:nvSpPr>
-        <p:spPr>
-          <a:xfrm>
-            <a:off x="535940" y="1430309"/>
-            <a:ext cx="7834630" cy="4591685"/>
-          </a:xfrm>
-          <a:prstGeom prst="rect">
-            <a:avLst/>
-          </a:prstGeom>
-        </p:spPr>
-        <p:txBody>
-          <a:bodyPr wrap="square" lIns="0" tIns="102235" rIns="0" bIns="0" rtlCol="0" vert="horz">
-            <a:spAutoFit/>
-          </a:bodyPr>
-          <a:lstStyle/>
-          <a:p>
-            <a:pPr marL="351155" indent="-338455">
-              <a:lnSpc>
-                <a:spcPct val="100000"/>
-              </a:lnSpc>
-              <a:spcBef>
-                <a:spcPts val="805"/>
-              </a:spcBef>
-              <a:buClr>
-                <a:srgbClr val="6697CC"/>
-              </a:buClr>
-              <a:buFont typeface="Arial MT"/>
-              <a:buChar char="•"/>
-              <a:tabLst>
-                <a:tab pos="351155" algn="l"/>
-              </a:tabLst>
-            </a:pPr>
-            <a:r>
-              <a:rPr dirty="0" sz="2750" spc="50">
-                <a:latin typeface="Microsoft Sans Serif"/>
-                <a:cs typeface="Microsoft Sans Serif"/>
-              </a:rPr>
-              <a:t>No</a:t>
-            </a:r>
-            <a:r>
-              <a:rPr dirty="0" sz="2750" spc="-105">
-                <a:latin typeface="Microsoft Sans Serif"/>
-                <a:cs typeface="Microsoft Sans Serif"/>
-              </a:rPr>
-              <a:t> </a:t>
-            </a:r>
-            <a:r>
-              <a:rPr dirty="0" sz="2750" spc="-10">
-                <a:latin typeface="Microsoft Sans Serif"/>
-                <a:cs typeface="Microsoft Sans Serif"/>
-              </a:rPr>
-              <a:t>Ethics</a:t>
-            </a:r>
-            <a:endParaRPr sz="2750">
-              <a:latin typeface="Microsoft Sans Serif"/>
-              <a:cs typeface="Microsoft Sans Serif"/>
-            </a:endParaRPr>
-          </a:p>
-          <a:p>
-            <a:pPr lvl="1" marL="746760" marR="146050" indent="-282575">
-              <a:lnSpc>
-                <a:spcPct val="100600"/>
-              </a:lnSpc>
-              <a:spcBef>
-                <a:spcPts val="690"/>
-              </a:spcBef>
-              <a:buClr>
-                <a:srgbClr val="6697CC"/>
-              </a:buClr>
-              <a:buFont typeface="Arial MT"/>
-              <a:buChar char="–"/>
-              <a:tabLst>
-                <a:tab pos="748030" algn="l"/>
-              </a:tabLst>
-            </a:pPr>
-            <a:r>
-              <a:rPr dirty="0" sz="2750">
-                <a:latin typeface="Microsoft Sans Serif"/>
-                <a:cs typeface="Microsoft Sans Serif"/>
-              </a:rPr>
-              <a:t>Ethics</a:t>
-            </a:r>
-            <a:r>
-              <a:rPr dirty="0" sz="2750" spc="-70">
-                <a:latin typeface="Microsoft Sans Serif"/>
-                <a:cs typeface="Microsoft Sans Serif"/>
-              </a:rPr>
-              <a:t> </a:t>
-            </a:r>
-            <a:r>
-              <a:rPr dirty="0" sz="2750">
-                <a:latin typeface="Microsoft Sans Serif"/>
-                <a:cs typeface="Microsoft Sans Serif"/>
-              </a:rPr>
-              <a:t>and</a:t>
-            </a:r>
-            <a:r>
-              <a:rPr dirty="0" sz="2750" spc="-60">
-                <a:latin typeface="Microsoft Sans Serif"/>
-                <a:cs typeface="Microsoft Sans Serif"/>
-              </a:rPr>
-              <a:t> </a:t>
-            </a:r>
-            <a:r>
-              <a:rPr dirty="0" sz="2750" spc="95">
-                <a:latin typeface="Microsoft Sans Serif"/>
-                <a:cs typeface="Microsoft Sans Serif"/>
-              </a:rPr>
-              <a:t>morality</a:t>
-            </a:r>
-            <a:r>
-              <a:rPr dirty="0" sz="2750" spc="-75">
-                <a:latin typeface="Microsoft Sans Serif"/>
-                <a:cs typeface="Microsoft Sans Serif"/>
-              </a:rPr>
-              <a:t> </a:t>
-            </a:r>
-            <a:r>
-              <a:rPr dirty="0" sz="2750">
-                <a:latin typeface="Microsoft Sans Serif"/>
-                <a:cs typeface="Microsoft Sans Serif"/>
-              </a:rPr>
-              <a:t>are</a:t>
-            </a:r>
-            <a:r>
-              <a:rPr dirty="0" sz="2750" spc="-65">
-                <a:latin typeface="Microsoft Sans Serif"/>
-                <a:cs typeface="Microsoft Sans Serif"/>
-              </a:rPr>
-              <a:t> </a:t>
-            </a:r>
-            <a:r>
-              <a:rPr dirty="0" sz="2750" spc="125">
-                <a:latin typeface="Microsoft Sans Serif"/>
-                <a:cs typeface="Microsoft Sans Serif"/>
-              </a:rPr>
-              <a:t>important</a:t>
-            </a:r>
-            <a:r>
-              <a:rPr dirty="0" sz="2750" spc="-60">
-                <a:latin typeface="Microsoft Sans Serif"/>
-                <a:cs typeface="Microsoft Sans Serif"/>
-              </a:rPr>
-              <a:t> </a:t>
-            </a:r>
-            <a:r>
-              <a:rPr dirty="0" sz="2750" spc="-10">
-                <a:latin typeface="Microsoft Sans Serif"/>
-                <a:cs typeface="Microsoft Sans Serif"/>
-              </a:rPr>
-              <a:t>human </a:t>
-            </a:r>
-            <a:r>
-              <a:rPr dirty="0" sz="2750" spc="-10">
-                <a:latin typeface="Microsoft Sans Serif"/>
-                <a:cs typeface="Microsoft Sans Serif"/>
-              </a:rPr>
-              <a:t>	</a:t>
-            </a:r>
-            <a:r>
-              <a:rPr dirty="0" sz="2750" spc="80">
-                <a:latin typeface="Microsoft Sans Serif"/>
-                <a:cs typeface="Microsoft Sans Serif"/>
-              </a:rPr>
-              <a:t>features</a:t>
-            </a:r>
-            <a:r>
-              <a:rPr dirty="0" sz="2750" spc="-95">
-                <a:latin typeface="Microsoft Sans Serif"/>
-                <a:cs typeface="Microsoft Sans Serif"/>
-              </a:rPr>
-              <a:t> </a:t>
-            </a:r>
-            <a:r>
-              <a:rPr dirty="0" sz="2750" spc="160">
-                <a:latin typeface="Microsoft Sans Serif"/>
-                <a:cs typeface="Microsoft Sans Serif"/>
-              </a:rPr>
-              <a:t>that</a:t>
-            </a:r>
-            <a:r>
-              <a:rPr dirty="0" sz="2750" spc="-95">
-                <a:latin typeface="Microsoft Sans Serif"/>
-                <a:cs typeface="Microsoft Sans Serif"/>
-              </a:rPr>
-              <a:t> </a:t>
-            </a:r>
-            <a:r>
-              <a:rPr dirty="0" sz="2750" spc="-30">
-                <a:latin typeface="Microsoft Sans Serif"/>
-                <a:cs typeface="Microsoft Sans Serif"/>
-              </a:rPr>
-              <a:t>can</a:t>
-            </a:r>
-            <a:r>
-              <a:rPr dirty="0" sz="2750" spc="-85">
-                <a:latin typeface="Microsoft Sans Serif"/>
-                <a:cs typeface="Microsoft Sans Serif"/>
-              </a:rPr>
-              <a:t> </a:t>
-            </a:r>
-            <a:r>
-              <a:rPr dirty="0" sz="2750" spc="50">
-                <a:latin typeface="Microsoft Sans Serif"/>
-                <a:cs typeface="Microsoft Sans Serif"/>
-              </a:rPr>
-              <a:t>be</a:t>
-            </a:r>
-            <a:r>
-              <a:rPr dirty="0" sz="2750" spc="-90">
-                <a:latin typeface="Microsoft Sans Serif"/>
-                <a:cs typeface="Microsoft Sans Serif"/>
-              </a:rPr>
-              <a:t> </a:t>
-            </a:r>
-            <a:r>
-              <a:rPr dirty="0" sz="2750" spc="140">
-                <a:latin typeface="Microsoft Sans Serif"/>
-                <a:cs typeface="Microsoft Sans Serif"/>
-              </a:rPr>
-              <a:t>difficult</a:t>
-            </a:r>
-            <a:r>
-              <a:rPr dirty="0" sz="2750" spc="-85">
-                <a:latin typeface="Microsoft Sans Serif"/>
-                <a:cs typeface="Microsoft Sans Serif"/>
-              </a:rPr>
-              <a:t> </a:t>
-            </a:r>
-            <a:r>
-              <a:rPr dirty="0" sz="2750" spc="225">
-                <a:latin typeface="Microsoft Sans Serif"/>
-                <a:cs typeface="Microsoft Sans Serif"/>
-              </a:rPr>
-              <a:t>to</a:t>
-            </a:r>
-            <a:r>
-              <a:rPr dirty="0" sz="2750" spc="-95">
-                <a:latin typeface="Microsoft Sans Serif"/>
-                <a:cs typeface="Microsoft Sans Serif"/>
-              </a:rPr>
-              <a:t> </a:t>
-            </a:r>
-            <a:r>
-              <a:rPr dirty="0" sz="2750" spc="70">
-                <a:latin typeface="Microsoft Sans Serif"/>
-                <a:cs typeface="Microsoft Sans Serif"/>
-              </a:rPr>
-              <a:t>incorporate </a:t>
-            </a:r>
-            <a:r>
-              <a:rPr dirty="0" sz="2750" spc="70">
-                <a:latin typeface="Microsoft Sans Serif"/>
-                <a:cs typeface="Microsoft Sans Serif"/>
-              </a:rPr>
-              <a:t>	</a:t>
-            </a:r>
-            <a:r>
-              <a:rPr dirty="0" sz="2750" spc="140">
-                <a:latin typeface="Microsoft Sans Serif"/>
-                <a:cs typeface="Microsoft Sans Serif"/>
-              </a:rPr>
-              <a:t>into</a:t>
-            </a:r>
-            <a:r>
-              <a:rPr dirty="0" sz="2750" spc="-114">
-                <a:latin typeface="Microsoft Sans Serif"/>
-                <a:cs typeface="Microsoft Sans Serif"/>
-              </a:rPr>
-              <a:t> </a:t>
-            </a:r>
-            <a:r>
-              <a:rPr dirty="0" sz="2750">
-                <a:latin typeface="Microsoft Sans Serif"/>
-                <a:cs typeface="Microsoft Sans Serif"/>
-              </a:rPr>
-              <a:t>an</a:t>
-            </a:r>
-            <a:r>
-              <a:rPr dirty="0" sz="2750" spc="-100">
-                <a:latin typeface="Microsoft Sans Serif"/>
-                <a:cs typeface="Microsoft Sans Serif"/>
-              </a:rPr>
-              <a:t> </a:t>
-            </a:r>
-            <a:r>
-              <a:rPr dirty="0" sz="2750" spc="-25">
-                <a:latin typeface="Microsoft Sans Serif"/>
-                <a:cs typeface="Microsoft Sans Serif"/>
-              </a:rPr>
-              <a:t>AI.</a:t>
-            </a:r>
-            <a:endParaRPr sz="2750">
-              <a:latin typeface="Microsoft Sans Serif"/>
-              <a:cs typeface="Microsoft Sans Serif"/>
-            </a:endParaRPr>
-          </a:p>
-          <a:p>
-            <a:pPr lvl="1" marL="746760" marR="5080" indent="-282575">
-              <a:lnSpc>
-                <a:spcPct val="100600"/>
-              </a:lnSpc>
-              <a:spcBef>
-                <a:spcPts val="680"/>
-              </a:spcBef>
-              <a:buClr>
-                <a:srgbClr val="6697CC"/>
-              </a:buClr>
-              <a:buFont typeface="Arial MT"/>
-              <a:buChar char="–"/>
-              <a:tabLst>
-                <a:tab pos="748030" algn="l"/>
-              </a:tabLst>
-            </a:pPr>
-            <a:r>
-              <a:rPr dirty="0" sz="2750">
-                <a:latin typeface="Microsoft Sans Serif"/>
-                <a:cs typeface="Microsoft Sans Serif"/>
-              </a:rPr>
-              <a:t>The</a:t>
-            </a:r>
-            <a:r>
-              <a:rPr dirty="0" sz="2750" spc="-65">
-                <a:latin typeface="Microsoft Sans Serif"/>
-                <a:cs typeface="Microsoft Sans Serif"/>
-              </a:rPr>
-              <a:t> </a:t>
-            </a:r>
-            <a:r>
-              <a:rPr dirty="0" sz="2750" spc="65">
-                <a:latin typeface="Microsoft Sans Serif"/>
-                <a:cs typeface="Microsoft Sans Serif"/>
-              </a:rPr>
-              <a:t>rapid</a:t>
-            </a:r>
-            <a:r>
-              <a:rPr dirty="0" sz="2750" spc="-75">
-                <a:latin typeface="Microsoft Sans Serif"/>
-                <a:cs typeface="Microsoft Sans Serif"/>
-              </a:rPr>
-              <a:t> </a:t>
-            </a:r>
-            <a:r>
-              <a:rPr dirty="0" sz="2750">
-                <a:latin typeface="Microsoft Sans Serif"/>
-                <a:cs typeface="Microsoft Sans Serif"/>
-              </a:rPr>
-              <a:t>progress</a:t>
-            </a:r>
-            <a:r>
-              <a:rPr dirty="0" sz="2750" spc="-70">
-                <a:latin typeface="Microsoft Sans Serif"/>
-                <a:cs typeface="Microsoft Sans Serif"/>
-              </a:rPr>
-              <a:t> </a:t>
-            </a:r>
-            <a:r>
-              <a:rPr dirty="0" sz="2750" spc="200">
-                <a:latin typeface="Microsoft Sans Serif"/>
-                <a:cs typeface="Microsoft Sans Serif"/>
-              </a:rPr>
-              <a:t>of</a:t>
-            </a:r>
-            <a:r>
-              <a:rPr dirty="0" sz="2750" spc="-75">
-                <a:latin typeface="Microsoft Sans Serif"/>
-                <a:cs typeface="Microsoft Sans Serif"/>
-              </a:rPr>
-              <a:t> </a:t>
-            </a:r>
-            <a:r>
-              <a:rPr dirty="0" sz="2750">
-                <a:latin typeface="Microsoft Sans Serif"/>
-                <a:cs typeface="Microsoft Sans Serif"/>
-              </a:rPr>
-              <a:t>AI</a:t>
-            </a:r>
-            <a:r>
-              <a:rPr dirty="0" sz="2750" spc="-65">
-                <a:latin typeface="Microsoft Sans Serif"/>
-                <a:cs typeface="Microsoft Sans Serif"/>
-              </a:rPr>
-              <a:t> has</a:t>
-            </a:r>
-            <a:r>
-              <a:rPr dirty="0" sz="2750" spc="-70">
-                <a:latin typeface="Microsoft Sans Serif"/>
-                <a:cs typeface="Microsoft Sans Serif"/>
-              </a:rPr>
-              <a:t> </a:t>
-            </a:r>
-            <a:r>
-              <a:rPr dirty="0" sz="2750">
-                <a:latin typeface="Microsoft Sans Serif"/>
-                <a:cs typeface="Microsoft Sans Serif"/>
-              </a:rPr>
-              <a:t>raised</a:t>
-            </a:r>
-            <a:r>
-              <a:rPr dirty="0" sz="2750" spc="-65">
-                <a:latin typeface="Microsoft Sans Serif"/>
-                <a:cs typeface="Microsoft Sans Serif"/>
-              </a:rPr>
-              <a:t> </a:t>
-            </a:r>
-            <a:r>
-              <a:rPr dirty="0" sz="2750" spc="-100">
-                <a:latin typeface="Microsoft Sans Serif"/>
-                <a:cs typeface="Microsoft Sans Serif"/>
-              </a:rPr>
-              <a:t>a</a:t>
-            </a:r>
-            <a:r>
-              <a:rPr dirty="0" sz="2750" spc="-75">
-                <a:latin typeface="Microsoft Sans Serif"/>
-                <a:cs typeface="Microsoft Sans Serif"/>
-              </a:rPr>
-              <a:t> </a:t>
-            </a:r>
-            <a:r>
-              <a:rPr dirty="0" sz="2750" spc="70">
-                <a:latin typeface="Microsoft Sans Serif"/>
-                <a:cs typeface="Microsoft Sans Serif"/>
-              </a:rPr>
-              <a:t>number </a:t>
-            </a:r>
-            <a:r>
-              <a:rPr dirty="0" sz="2750" spc="70">
-                <a:latin typeface="Microsoft Sans Serif"/>
-                <a:cs typeface="Microsoft Sans Serif"/>
-              </a:rPr>
-              <a:t>	</a:t>
-            </a:r>
-            <a:r>
-              <a:rPr dirty="0" sz="2750" spc="200">
-                <a:latin typeface="Microsoft Sans Serif"/>
-                <a:cs typeface="Microsoft Sans Serif"/>
-              </a:rPr>
-              <a:t>of</a:t>
-            </a:r>
-            <a:r>
-              <a:rPr dirty="0" sz="2750" spc="-120">
-                <a:latin typeface="Microsoft Sans Serif"/>
-                <a:cs typeface="Microsoft Sans Serif"/>
-              </a:rPr>
-              <a:t> </a:t>
-            </a:r>
-            <a:r>
-              <a:rPr dirty="0" sz="2750">
-                <a:latin typeface="Microsoft Sans Serif"/>
-                <a:cs typeface="Microsoft Sans Serif"/>
-              </a:rPr>
-              <a:t>concerns</a:t>
-            </a:r>
-            <a:r>
-              <a:rPr dirty="0" sz="2750" spc="-110">
-                <a:latin typeface="Microsoft Sans Serif"/>
-                <a:cs typeface="Microsoft Sans Serif"/>
-              </a:rPr>
-              <a:t> </a:t>
-            </a:r>
-            <a:r>
-              <a:rPr dirty="0" sz="2750" spc="165">
-                <a:latin typeface="Microsoft Sans Serif"/>
-                <a:cs typeface="Microsoft Sans Serif"/>
-              </a:rPr>
-              <a:t>that</a:t>
-            </a:r>
-            <a:r>
-              <a:rPr dirty="0" sz="2750" spc="-105">
-                <a:latin typeface="Microsoft Sans Serif"/>
-                <a:cs typeface="Microsoft Sans Serif"/>
-              </a:rPr>
-              <a:t> </a:t>
-            </a:r>
-            <a:r>
-              <a:rPr dirty="0" sz="2750" spc="55">
-                <a:latin typeface="Microsoft Sans Serif"/>
-                <a:cs typeface="Microsoft Sans Serif"/>
-              </a:rPr>
-              <a:t>one</a:t>
-            </a:r>
-            <a:r>
-              <a:rPr dirty="0" sz="2750" spc="-114">
-                <a:latin typeface="Microsoft Sans Serif"/>
-                <a:cs typeface="Microsoft Sans Serif"/>
-              </a:rPr>
-              <a:t> </a:t>
-            </a:r>
-            <a:r>
-              <a:rPr dirty="0" sz="2750">
-                <a:latin typeface="Microsoft Sans Serif"/>
-                <a:cs typeface="Microsoft Sans Serif"/>
-              </a:rPr>
-              <a:t>day,</a:t>
-            </a:r>
-            <a:r>
-              <a:rPr dirty="0" sz="2750" spc="-120">
-                <a:latin typeface="Microsoft Sans Serif"/>
-                <a:cs typeface="Microsoft Sans Serif"/>
-              </a:rPr>
-              <a:t> </a:t>
-            </a:r>
-            <a:r>
-              <a:rPr dirty="0" sz="2750">
-                <a:latin typeface="Microsoft Sans Serif"/>
-                <a:cs typeface="Microsoft Sans Serif"/>
-              </a:rPr>
-              <a:t>AI</a:t>
-            </a:r>
-            <a:r>
-              <a:rPr dirty="0" sz="2750" spc="-110">
-                <a:latin typeface="Microsoft Sans Serif"/>
-                <a:cs typeface="Microsoft Sans Serif"/>
-              </a:rPr>
-              <a:t> </a:t>
-            </a:r>
-            <a:r>
-              <a:rPr dirty="0" sz="2750" spc="114">
-                <a:latin typeface="Microsoft Sans Serif"/>
-                <a:cs typeface="Microsoft Sans Serif"/>
-              </a:rPr>
-              <a:t>will</a:t>
-            </a:r>
-            <a:r>
-              <a:rPr dirty="0" sz="2750" spc="-114">
-                <a:latin typeface="Microsoft Sans Serif"/>
-                <a:cs typeface="Microsoft Sans Serif"/>
-              </a:rPr>
-              <a:t> </a:t>
-            </a:r>
-            <a:r>
-              <a:rPr dirty="0" sz="2750" spc="90">
-                <a:latin typeface="Microsoft Sans Serif"/>
-                <a:cs typeface="Microsoft Sans Serif"/>
-              </a:rPr>
-              <a:t>grow </a:t>
-            </a:r>
-            <a:r>
-              <a:rPr dirty="0" sz="2750" spc="90">
-                <a:latin typeface="Microsoft Sans Serif"/>
-                <a:cs typeface="Microsoft Sans Serif"/>
-              </a:rPr>
-              <a:t>	</a:t>
-            </a:r>
-            <a:r>
-              <a:rPr dirty="0" sz="2750" spc="65">
-                <a:latin typeface="Microsoft Sans Serif"/>
-                <a:cs typeface="Microsoft Sans Serif"/>
-              </a:rPr>
-              <a:t>uncontrollably,</a:t>
-            </a:r>
-            <a:r>
-              <a:rPr dirty="0" sz="2750" spc="-55">
-                <a:latin typeface="Microsoft Sans Serif"/>
-                <a:cs typeface="Microsoft Sans Serif"/>
-              </a:rPr>
-              <a:t> </a:t>
-            </a:r>
-            <a:r>
-              <a:rPr dirty="0" sz="2750">
-                <a:latin typeface="Microsoft Sans Serif"/>
-                <a:cs typeface="Microsoft Sans Serif"/>
-              </a:rPr>
-              <a:t>and</a:t>
-            </a:r>
-            <a:r>
-              <a:rPr dirty="0" sz="2750" spc="-55">
-                <a:latin typeface="Microsoft Sans Serif"/>
-                <a:cs typeface="Microsoft Sans Serif"/>
-              </a:rPr>
-              <a:t> </a:t>
-            </a:r>
-            <a:r>
-              <a:rPr dirty="0" sz="2750" spc="65">
-                <a:latin typeface="Microsoft Sans Serif"/>
-                <a:cs typeface="Microsoft Sans Serif"/>
-              </a:rPr>
-              <a:t>eventually</a:t>
-            </a:r>
-            <a:r>
-              <a:rPr dirty="0" sz="2750" spc="-65">
-                <a:latin typeface="Microsoft Sans Serif"/>
-                <a:cs typeface="Microsoft Sans Serif"/>
-              </a:rPr>
-              <a:t> </a:t>
-            </a:r>
-            <a:r>
-              <a:rPr dirty="0" sz="2750" spc="80">
-                <a:latin typeface="Microsoft Sans Serif"/>
-                <a:cs typeface="Microsoft Sans Serif"/>
-              </a:rPr>
-              <a:t>wipe</a:t>
-            </a:r>
-            <a:r>
-              <a:rPr dirty="0" sz="2750" spc="-60">
-                <a:latin typeface="Microsoft Sans Serif"/>
-                <a:cs typeface="Microsoft Sans Serif"/>
-              </a:rPr>
-              <a:t> </a:t>
-            </a:r>
-            <a:r>
-              <a:rPr dirty="0" sz="2750" spc="145">
-                <a:latin typeface="Microsoft Sans Serif"/>
-                <a:cs typeface="Microsoft Sans Serif"/>
-              </a:rPr>
-              <a:t>out </a:t>
-            </a:r>
-            <a:r>
-              <a:rPr dirty="0" sz="2750" spc="145">
-                <a:latin typeface="Microsoft Sans Serif"/>
-                <a:cs typeface="Microsoft Sans Serif"/>
-              </a:rPr>
-              <a:t>	</a:t>
-            </a:r>
-            <a:r>
-              <a:rPr dirty="0" sz="2750" spc="45">
-                <a:latin typeface="Microsoft Sans Serif"/>
-                <a:cs typeface="Microsoft Sans Serif"/>
-              </a:rPr>
-              <a:t>humanity.</a:t>
-            </a:r>
-            <a:endParaRPr sz="2750">
-              <a:latin typeface="Microsoft Sans Serif"/>
-              <a:cs typeface="Microsoft Sans Serif"/>
-            </a:endParaRPr>
-          </a:p>
-          <a:p>
-            <a:pPr lvl="1" marL="746760" marR="1376045" indent="-282575">
-              <a:lnSpc>
-                <a:spcPct val="100600"/>
-              </a:lnSpc>
-              <a:spcBef>
-                <a:spcPts val="695"/>
-              </a:spcBef>
-              <a:buClr>
-                <a:srgbClr val="6697CC"/>
-              </a:buClr>
-              <a:buFont typeface="Arial MT"/>
-              <a:buChar char="–"/>
-              <a:tabLst>
-                <a:tab pos="748030" algn="l"/>
-              </a:tabLst>
-            </a:pPr>
-            <a:r>
-              <a:rPr dirty="0" sz="2750" spc="-35">
-                <a:latin typeface="Microsoft Sans Serif"/>
-                <a:cs typeface="Microsoft Sans Serif"/>
-              </a:rPr>
-              <a:t>This</a:t>
-            </a:r>
-            <a:r>
-              <a:rPr dirty="0" sz="2750" spc="-114">
-                <a:latin typeface="Microsoft Sans Serif"/>
-                <a:cs typeface="Microsoft Sans Serif"/>
-              </a:rPr>
-              <a:t> </a:t>
-            </a:r>
-            <a:r>
-              <a:rPr dirty="0" sz="2750" spc="114">
-                <a:latin typeface="Microsoft Sans Serif"/>
-                <a:cs typeface="Microsoft Sans Serif"/>
-              </a:rPr>
-              <a:t>moment</a:t>
-            </a:r>
-            <a:r>
-              <a:rPr dirty="0" sz="2750" spc="-95">
-                <a:latin typeface="Microsoft Sans Serif"/>
-                <a:cs typeface="Microsoft Sans Serif"/>
-              </a:rPr>
-              <a:t> </a:t>
-            </a:r>
-            <a:r>
-              <a:rPr dirty="0" sz="2750" spc="-10">
-                <a:latin typeface="Microsoft Sans Serif"/>
-                <a:cs typeface="Microsoft Sans Serif"/>
-              </a:rPr>
-              <a:t>is</a:t>
-            </a:r>
-            <a:r>
-              <a:rPr dirty="0" sz="2750" spc="-110">
-                <a:latin typeface="Microsoft Sans Serif"/>
-                <a:cs typeface="Microsoft Sans Serif"/>
-              </a:rPr>
-              <a:t> </a:t>
-            </a:r>
-            <a:r>
-              <a:rPr dirty="0" sz="2750" spc="110">
-                <a:latin typeface="Microsoft Sans Serif"/>
-                <a:cs typeface="Microsoft Sans Serif"/>
-              </a:rPr>
-              <a:t>referred</a:t>
-            </a:r>
-            <a:r>
-              <a:rPr dirty="0" sz="2750" spc="-100">
-                <a:latin typeface="Microsoft Sans Serif"/>
-                <a:cs typeface="Microsoft Sans Serif"/>
-              </a:rPr>
-              <a:t> </a:t>
-            </a:r>
-            <a:r>
-              <a:rPr dirty="0" sz="2750" spc="225">
-                <a:latin typeface="Microsoft Sans Serif"/>
-                <a:cs typeface="Microsoft Sans Serif"/>
-              </a:rPr>
-              <a:t>to</a:t>
-            </a:r>
-            <a:r>
-              <a:rPr dirty="0" sz="2750" spc="-105">
-                <a:latin typeface="Microsoft Sans Serif"/>
-                <a:cs typeface="Microsoft Sans Serif"/>
-              </a:rPr>
-              <a:t> </a:t>
-            </a:r>
-            <a:r>
-              <a:rPr dirty="0" sz="2750" spc="-120">
-                <a:latin typeface="Microsoft Sans Serif"/>
-                <a:cs typeface="Microsoft Sans Serif"/>
-              </a:rPr>
-              <a:t>as</a:t>
-            </a:r>
-            <a:r>
-              <a:rPr dirty="0" sz="2750" spc="-100">
-                <a:latin typeface="Microsoft Sans Serif"/>
-                <a:cs typeface="Microsoft Sans Serif"/>
-              </a:rPr>
-              <a:t> </a:t>
-            </a:r>
-            <a:r>
-              <a:rPr dirty="0" sz="2750" spc="135">
-                <a:latin typeface="Microsoft Sans Serif"/>
-                <a:cs typeface="Microsoft Sans Serif"/>
-              </a:rPr>
-              <a:t>the</a:t>
-            </a:r>
-            <a:r>
-              <a:rPr dirty="0" sz="2750" spc="-110">
-                <a:latin typeface="Microsoft Sans Serif"/>
-                <a:cs typeface="Microsoft Sans Serif"/>
-              </a:rPr>
-              <a:t> </a:t>
-            </a:r>
-            <a:r>
-              <a:rPr dirty="0" sz="2750" spc="-25">
-                <a:latin typeface="Microsoft Sans Serif"/>
-                <a:cs typeface="Microsoft Sans Serif"/>
-              </a:rPr>
-              <a:t>AI </a:t>
-            </a:r>
-            <a:r>
-              <a:rPr dirty="0" sz="2750" spc="-25">
-                <a:latin typeface="Microsoft Sans Serif"/>
-                <a:cs typeface="Microsoft Sans Serif"/>
-              </a:rPr>
-              <a:t>	</a:t>
-            </a:r>
-            <a:r>
-              <a:rPr dirty="0" sz="2750" spc="40">
-                <a:latin typeface="Microsoft Sans Serif"/>
-                <a:cs typeface="Microsoft Sans Serif"/>
-              </a:rPr>
-              <a:t>singularity.</a:t>
-            </a:r>
-            <a:endParaRPr sz="2750">
-              <a:latin typeface="Microsoft Sans Serif"/>
-              <a:cs typeface="Microsoft Sans Serif"/>
-            </a:endParaRPr>
+              <a:rPr/>
+              <a:t>Deliberate</a:t>
+            </a:r>
+            <a:r>
+              <a:rPr/>
+              <a:t> </a:t>
+            </a:r>
+            <a:r>
+              <a:rPr/>
+              <a:t>Software</a:t>
+            </a:r>
+            <a:r>
+              <a:rPr/>
+              <a:t> </a:t>
+            </a:r>
+            <a:r>
+              <a:rPr/>
+              <a:t>Attacks</a:t>
+            </a:r>
           </a:p>
         </p:txBody>
       </p:sp>
       <p:pic>
         <p:nvPicPr>
-          <p:cNvPr id="4" name="object 4" descr=""/>
-          <p:cNvPicPr/>
+          <p:cNvPr id="4" name="Picture 3" descr="image.png"/>
+          <p:cNvPicPr>
+            <a:picLocks noChangeAspect="1"/>
+          </p:cNvPicPr>
           <p:nvPr/>
         </p:nvPicPr>
         <p:blipFill>
-          <a:blip r:embed="rId2" cstate="print"/>
+          <a:blip r:embed="rId3"/>
           <a:stretch>
             <a:fillRect/>
           </a:stretch>
         </p:blipFill>
         <p:spPr>
           <a:xfrm>
-            <a:off x="7851597" y="70916"/>
-            <a:ext cx="1184757" cy="648004"/>
+            <a:off x="346813" y="1510283"/>
+            <a:ext cx="223113" cy="284988"/>
           </a:xfrm>
           <a:prstGeom prst="rect">
             <a:avLst/>
           </a:prstGeom>
         </p:spPr>
       </p:pic>
+      <p:sp>
+        <p:nvSpPr>
+          <p:cNvPr id="5" name="TextBox 4"/>
+          <p:cNvSpPr txBox="1"/>
+          <p:nvPr/>
+        </p:nvSpPr>
+        <p:spPr>
+          <a:xfrm>
+            <a:off x="650240" y="1392682"/>
+            <a:ext cx="7877175" cy="4123690"/>
+          </a:xfrm>
+          <a:prstGeom prst="rect">
+            <a:avLst/>
+          </a:prstGeom>
+          <a:noFill/>
+        </p:spPr>
+        <p:txBody>
+          <a:bodyPr wrap="square">
+            <a:spAutoFit/>
+          </a:bodyPr>
+          <a:lstStyle/>
+          <a:p/>
+          <a:p>
+            <a:pPr>
+              <a:lnSpc>
+                <a:spcPct val="100000"/>
+              </a:lnSpc>
+              <a:spcBef>
+                <a:spcPts val="105"/>
+              </a:spcBef>
+            </a:pPr>
+            <a:r>
+              <a:rPr sz="3200">
+                <a:latin typeface="Arial"/>
+              </a:rPr>
+              <a:t>There</a:t>
+            </a:r>
+            <a:r>
+              <a:rPr sz="3200">
+                <a:latin typeface="Arial"/>
+              </a:rPr>
+              <a:t> </a:t>
+            </a:r>
+            <a:r>
+              <a:rPr sz="3200">
+                <a:latin typeface="Arial"/>
+              </a:rPr>
+              <a:t>is</a:t>
+            </a:r>
+            <a:r>
+              <a:rPr sz="3200">
+                <a:latin typeface="Arial"/>
+              </a:rPr>
+              <a:t> </a:t>
+            </a:r>
+            <a:r>
+              <a:rPr sz="3200">
+                <a:latin typeface="Arial"/>
+              </a:rPr>
+              <a:t>no</a:t>
+            </a:r>
+            <a:r>
+              <a:rPr sz="3200">
+                <a:latin typeface="Arial"/>
+              </a:rPr>
+              <a:t> </a:t>
+            </a:r>
+            <a:r>
+              <a:rPr sz="3200">
+                <a:latin typeface="Arial"/>
+              </a:rPr>
+              <a:t>foolproof</a:t>
+            </a:r>
+            <a:r>
+              <a:rPr sz="3200">
+                <a:latin typeface="Arial"/>
+              </a:rPr>
+              <a:t> </a:t>
+            </a:r>
+            <a:r>
+              <a:rPr sz="3200">
+                <a:latin typeface="Arial"/>
+              </a:rPr>
+              <a:t>method</a:t>
+            </a:r>
+            <a:r>
+              <a:rPr sz="3200">
+                <a:latin typeface="Arial"/>
+              </a:rPr>
+              <a:t> </a:t>
+            </a:r>
+            <a:r>
+              <a:rPr sz="3200">
+                <a:latin typeface="Arial"/>
+              </a:rPr>
+              <a:t>of</a:t>
+            </a:r>
+            <a:r>
+              <a:rPr sz="3200">
+                <a:latin typeface="Arial"/>
+              </a:rPr>
+              <a:t> </a:t>
+            </a:r>
+            <a:r>
+              <a:rPr sz="3200">
+                <a:latin typeface="Arial"/>
+              </a:rPr>
+              <a:t>preventing </a:t>
+            </a:r>
+            <a:r>
+              <a:rPr sz="3200">
+                <a:latin typeface="Arial"/>
+              </a:rPr>
+              <a:t>them</a:t>
+            </a:r>
+            <a:r>
+              <a:rPr sz="3200">
+                <a:latin typeface="Arial"/>
+              </a:rPr>
+              <a:t> </a:t>
+            </a:r>
+            <a:r>
+              <a:rPr sz="3200">
+                <a:latin typeface="Arial"/>
+              </a:rPr>
+              <a:t>from</a:t>
+            </a:r>
+            <a:r>
+              <a:rPr sz="3200">
+                <a:latin typeface="Arial"/>
+              </a:rPr>
+              <a:t> </a:t>
+            </a:r>
+            <a:r>
+              <a:rPr sz="3200">
+                <a:latin typeface="Arial"/>
+              </a:rPr>
+              <a:t>attaching</a:t>
+            </a:r>
+            <a:r>
+              <a:rPr sz="3200">
+                <a:latin typeface="Arial"/>
+              </a:rPr>
+              <a:t> </a:t>
+            </a:r>
+            <a:r>
+              <a:rPr sz="3200">
+                <a:latin typeface="Arial"/>
+              </a:rPr>
+              <a:t>themselves</a:t>
+            </a:r>
+            <a:r>
+              <a:rPr sz="3200">
+                <a:latin typeface="Arial"/>
+              </a:rPr>
+              <a:t> </a:t>
+            </a:r>
+            <a:r>
+              <a:rPr sz="3200">
+                <a:latin typeface="Arial"/>
+              </a:rPr>
+              <a:t>to</a:t>
+            </a:r>
+            <a:r>
+              <a:rPr sz="3200">
+                <a:latin typeface="Arial"/>
+              </a:rPr>
+              <a:t> </a:t>
+            </a:r>
+            <a:r>
+              <a:rPr sz="3200">
+                <a:latin typeface="Arial"/>
+              </a:rPr>
+              <a:t>your </a:t>
+            </a:r>
+            <a:r>
+              <a:rPr sz="3200">
+                <a:latin typeface="Arial"/>
+              </a:rPr>
+              <a:t>computer</a:t>
+            </a:r>
+          </a:p>
+          <a:p>
+            <a:pPr algn="just">
+              <a:lnSpc>
+                <a:spcPct val="100000"/>
+              </a:lnSpc>
+              <a:spcBef>
+                <a:spcPts val="770"/>
+              </a:spcBef>
+            </a:pPr>
+            <a:r>
+              <a:rPr sz="3200">
+                <a:latin typeface="Arial"/>
+              </a:rPr>
+              <a:t>Antivirus</a:t>
+            </a:r>
+            <a:r>
+              <a:rPr sz="3200">
+                <a:latin typeface="Arial"/>
+              </a:rPr>
+              <a:t> </a:t>
+            </a:r>
+            <a:r>
+              <a:rPr sz="3200">
+                <a:latin typeface="Arial"/>
+              </a:rPr>
+              <a:t>software</a:t>
+            </a:r>
+            <a:r>
+              <a:rPr sz="3200">
+                <a:latin typeface="Arial"/>
+              </a:rPr>
+              <a:t> </a:t>
+            </a:r>
+            <a:r>
+              <a:rPr sz="3200">
+                <a:latin typeface="Arial"/>
+              </a:rPr>
+              <a:t>compares</a:t>
+            </a:r>
+            <a:r>
+              <a:rPr sz="3200">
+                <a:latin typeface="Arial"/>
+              </a:rPr>
+              <a:t> </a:t>
+            </a:r>
+            <a:r>
+              <a:rPr sz="3200">
+                <a:latin typeface="Arial"/>
+              </a:rPr>
+              <a:t>virus</a:t>
+            </a:r>
+            <a:r>
+              <a:rPr sz="3200">
+                <a:latin typeface="Arial"/>
+              </a:rPr>
+              <a:t> </a:t>
+            </a:r>
+            <a:r>
+              <a:rPr sz="3200">
+                <a:latin typeface="Arial"/>
+              </a:rPr>
+              <a:t>signature </a:t>
+            </a:r>
+            <a:r>
+              <a:rPr sz="3200">
+                <a:latin typeface="Arial"/>
+              </a:rPr>
+              <a:t>files</a:t>
+            </a:r>
+            <a:r>
+              <a:rPr sz="3200">
+                <a:latin typeface="Arial"/>
+              </a:rPr>
+              <a:t> </a:t>
+            </a:r>
+            <a:r>
+              <a:rPr sz="3200">
+                <a:latin typeface="Arial"/>
+              </a:rPr>
+              <a:t>against</a:t>
+            </a:r>
+            <a:r>
+              <a:rPr sz="3200">
+                <a:latin typeface="Arial"/>
+              </a:rPr>
+              <a:t> </a:t>
+            </a:r>
+            <a:r>
+              <a:rPr sz="3200">
+                <a:latin typeface="Arial"/>
+              </a:rPr>
+              <a:t>the</a:t>
+            </a:r>
+            <a:r>
+              <a:rPr sz="3200">
+                <a:latin typeface="Arial"/>
+              </a:rPr>
+              <a:t> </a:t>
+            </a:r>
+            <a:r>
+              <a:rPr sz="3200">
+                <a:latin typeface="Arial"/>
+              </a:rPr>
+              <a:t>programming</a:t>
+            </a:r>
+            <a:r>
+              <a:rPr sz="3200">
+                <a:latin typeface="Arial"/>
+              </a:rPr>
+              <a:t> </a:t>
+            </a:r>
+            <a:r>
+              <a:rPr sz="3200">
+                <a:latin typeface="Arial"/>
+              </a:rPr>
+              <a:t>code</a:t>
+            </a:r>
+            <a:r>
+              <a:rPr sz="3200">
+                <a:latin typeface="Arial"/>
+              </a:rPr>
+              <a:t> </a:t>
+            </a:r>
+            <a:r>
+              <a:rPr sz="3200">
+                <a:latin typeface="Arial"/>
+              </a:rPr>
+              <a:t>of</a:t>
+            </a:r>
+            <a:r>
+              <a:rPr sz="3200">
+                <a:latin typeface="Arial"/>
+              </a:rPr>
+              <a:t> </a:t>
+            </a:r>
+            <a:r>
+              <a:rPr sz="3200">
+                <a:latin typeface="Arial"/>
+              </a:rPr>
+              <a:t>know </a:t>
+            </a:r>
+            <a:r>
+              <a:rPr sz="3200">
+                <a:latin typeface="Arial"/>
+              </a:rPr>
+              <a:t>viruses.</a:t>
+            </a:r>
+          </a:p>
+          <a:p>
+            <a:pPr algn="just">
+              <a:lnSpc>
+                <a:spcPct val="100000"/>
+              </a:lnSpc>
+              <a:spcBef>
+                <a:spcPts val="770"/>
+              </a:spcBef>
+            </a:pPr>
+            <a:r>
+              <a:rPr sz="3200">
+                <a:latin typeface="Arial"/>
+              </a:rPr>
+              <a:t>Regularly</a:t>
+            </a:r>
+            <a:r>
+              <a:rPr sz="3200">
+                <a:latin typeface="Arial"/>
+              </a:rPr>
+              <a:t> </a:t>
+            </a:r>
+            <a:r>
+              <a:rPr sz="3200">
+                <a:latin typeface="Arial"/>
+              </a:rPr>
+              <a:t>update</a:t>
+            </a:r>
+            <a:r>
+              <a:rPr sz="3200">
+                <a:latin typeface="Arial"/>
+              </a:rPr>
+              <a:t> </a:t>
+            </a:r>
+            <a:r>
+              <a:rPr sz="3200">
+                <a:latin typeface="Arial"/>
+              </a:rPr>
+              <a:t>virus</a:t>
+            </a:r>
+            <a:r>
+              <a:rPr sz="3200">
+                <a:latin typeface="Arial"/>
+              </a:rPr>
+              <a:t> </a:t>
+            </a:r>
+            <a:r>
+              <a:rPr sz="3200">
+                <a:latin typeface="Arial"/>
+              </a:rPr>
+              <a:t>signature</a:t>
+            </a:r>
+            <a:r>
+              <a:rPr sz="3200">
+                <a:latin typeface="Arial"/>
+              </a:rPr>
+              <a:t> </a:t>
+            </a:r>
+            <a:r>
+              <a:rPr sz="3200">
+                <a:latin typeface="Arial"/>
+              </a:rPr>
+              <a:t>files</a:t>
+            </a:r>
+            <a:r>
+              <a:rPr sz="3200">
+                <a:latin typeface="Arial"/>
+              </a:rPr>
+              <a:t> </a:t>
+            </a:r>
+            <a:r>
+              <a:rPr sz="3200">
+                <a:latin typeface="Arial"/>
+              </a:rPr>
+              <a:t>is </a:t>
+            </a:r>
+            <a:r>
+              <a:rPr sz="3200">
+                <a:latin typeface="Arial"/>
+              </a:rPr>
+              <a:t>crucial.</a:t>
+            </a:r>
+          </a:p>
+        </p:txBody>
+      </p:sp>
+      <p:pic>
+        <p:nvPicPr>
+          <p:cNvPr id="6" name="Picture 5" descr="image.png"/>
+          <p:cNvPicPr>
+            <a:picLocks noChangeAspect="1"/>
+          </p:cNvPicPr>
+          <p:nvPr/>
+        </p:nvPicPr>
+        <p:blipFill>
+          <a:blip r:embed="rId3"/>
+          <a:stretch>
+            <a:fillRect/>
+          </a:stretch>
+        </p:blipFill>
+        <p:spPr>
+          <a:xfrm>
+            <a:off x="346813" y="3070860"/>
+            <a:ext cx="223113" cy="284988"/>
+          </a:xfrm>
+          <a:prstGeom prst="rect">
+            <a:avLst/>
+          </a:prstGeom>
+        </p:spPr>
+      </p:pic>
+      <p:pic>
+        <p:nvPicPr>
+          <p:cNvPr id="7" name="Picture 6" descr="image.png"/>
+          <p:cNvPicPr>
+            <a:picLocks noChangeAspect="1"/>
+          </p:cNvPicPr>
+          <p:nvPr/>
+        </p:nvPicPr>
+        <p:blipFill>
+          <a:blip r:embed="rId3"/>
+          <a:stretch>
+            <a:fillRect/>
+          </a:stretch>
+        </p:blipFill>
+        <p:spPr>
+          <a:xfrm>
+            <a:off x="346813" y="4631435"/>
+            <a:ext cx="223113" cy="284988"/>
+          </a:xfrm>
+          <a:prstGeom prst="rect">
+            <a:avLst/>
+          </a:prstGeom>
+        </p:spPr>
+      </p:pic>
+      <p:sp>
+        <p:nvSpPr>
+          <p:cNvPr id="8" name="TextBox 7"/>
+          <p:cNvSpPr txBox="1"/>
+          <p:nvPr/>
+        </p:nvSpPr>
+        <p:spPr>
+          <a:xfrm>
+            <a:off x="8367521" y="6522033"/>
+            <a:ext cx="735965" cy="224790"/>
+          </a:xfrm>
+          <a:prstGeom prst="rect">
+            <a:avLst/>
+          </a:prstGeom>
+          <a:noFill/>
+        </p:spPr>
+        <p:txBody>
+          <a:bodyPr wrap="square">
+            <a:spAutoFit/>
+          </a:bodyPr>
+          <a:lstStyle/>
+          <a:p/>
+          <a:p>
+            <a:pPr>
+              <a:lnSpc>
+                <a:spcPts val="1650"/>
+              </a:lnSpc>
+            </a:pPr>
+            <a:r>
+              <a:rPr/>
+              <a:t>Slide</a:t>
+            </a:r>
+            <a:r>
+              <a:rPr/>
+              <a:t> </a:t>
+            </a:r>
+          </a:p>
+        </p:txBody>
+      </p:sp>
     </p:spTree>
   </p:cSld>
   <p:clrMapOvr>
@@ -3966,1345 +3713,163 @@
       <p:grpSpPr/>
       <p:sp>
         <p:nvSpPr>
-          <p:cNvPr id="2" name="object 2"/>
-          <p:cNvSpPr txBox="1">
-            <a:spLocks noGrp="1"/>
-          </p:cNvSpPr>
-          <p:nvPr>
-            <p:ph type="title"/>
-          </p:nvPr>
-        </p:nvSpPr>
-        <p:spPr>
-          <a:prstGeom prst="rect"/>
-        </p:spPr>
-        <p:txBody>
-          <a:bodyPr wrap="square" lIns="0" tIns="12700" rIns="0" bIns="0" rtlCol="0" vert="horz">
-            <a:spAutoFit/>
-          </a:bodyPr>
-          <a:lstStyle/>
-          <a:p>
-            <a:pPr marL="12700">
-              <a:lnSpc>
-                <a:spcPct val="100000"/>
-              </a:lnSpc>
-              <a:spcBef>
-                <a:spcPts val="100"/>
-              </a:spcBef>
-            </a:pPr>
-            <a:r>
-              <a:rPr dirty="0" sz="3200"/>
-              <a:t>Disadvantages</a:t>
-            </a:r>
-            <a:r>
-              <a:rPr dirty="0" sz="3200" spc="-145"/>
-              <a:t> </a:t>
-            </a:r>
-            <a:r>
-              <a:rPr dirty="0" sz="3200" spc="225"/>
-              <a:t>of</a:t>
-            </a:r>
-            <a:r>
-              <a:rPr dirty="0" sz="3200" spc="-140"/>
-              <a:t> </a:t>
-            </a:r>
-            <a:r>
-              <a:rPr dirty="0" sz="3200" spc="95"/>
-              <a:t>Artificial</a:t>
-            </a:r>
-            <a:r>
-              <a:rPr dirty="0" sz="3200" spc="-140"/>
-              <a:t> </a:t>
-            </a:r>
-            <a:r>
-              <a:rPr dirty="0" sz="3200" spc="50"/>
-              <a:t>Intelligence</a:t>
-            </a:r>
-            <a:endParaRPr sz="3200"/>
-          </a:p>
-        </p:txBody>
-      </p:sp>
-      <p:sp>
-        <p:nvSpPr>
-          <p:cNvPr id="3" name="object 3" descr=""/>
+          <p:cNvPr id="2" name="TextBox 1"/>
           <p:cNvSpPr txBox="1"/>
           <p:nvPr/>
         </p:nvSpPr>
         <p:spPr>
           <a:xfrm>
-            <a:off x="535940" y="1444070"/>
-            <a:ext cx="8120380" cy="4277995"/>
+            <a:off x="1219200" y="274638"/>
+            <a:ext cx="7467600" cy="1143000"/>
           </a:xfrm>
           <a:prstGeom prst="rect">
             <a:avLst/>
           </a:prstGeom>
+          <a:noFill/>
         </p:spPr>
         <p:txBody>
-          <a:bodyPr wrap="square" lIns="0" tIns="88265" rIns="0" bIns="0" rtlCol="0" vert="horz">
+          <a:bodyPr wrap="square">
             <a:spAutoFit/>
           </a:bodyPr>
           <a:lstStyle/>
-          <a:p>
-            <a:pPr marL="296545" indent="-283845">
-              <a:lnSpc>
-                <a:spcPct val="100000"/>
-              </a:lnSpc>
-              <a:spcBef>
-                <a:spcPts val="695"/>
-              </a:spcBef>
-              <a:buClr>
-                <a:srgbClr val="6697CC"/>
-              </a:buClr>
-              <a:buFont typeface="Arial MT"/>
-              <a:buChar char="•"/>
-              <a:tabLst>
-                <a:tab pos="296545" algn="l"/>
-              </a:tabLst>
-            </a:pPr>
-            <a:r>
-              <a:rPr dirty="0" sz="2300" spc="55">
-                <a:latin typeface="Microsoft Sans Serif"/>
-                <a:cs typeface="Microsoft Sans Serif"/>
-              </a:rPr>
-              <a:t>No</a:t>
-            </a:r>
-            <a:r>
-              <a:rPr dirty="0" sz="2300" spc="-70">
-                <a:latin typeface="Microsoft Sans Serif"/>
-                <a:cs typeface="Microsoft Sans Serif"/>
-              </a:rPr>
-              <a:t> </a:t>
-            </a:r>
-            <a:r>
-              <a:rPr dirty="0" sz="2300" spc="55">
-                <a:latin typeface="Microsoft Sans Serif"/>
-                <a:cs typeface="Microsoft Sans Serif"/>
-              </a:rPr>
-              <a:t>creativity</a:t>
-            </a:r>
-            <a:endParaRPr sz="2300">
-              <a:latin typeface="Microsoft Sans Serif"/>
-              <a:cs typeface="Microsoft Sans Serif"/>
-            </a:endParaRPr>
-          </a:p>
-          <a:p>
-            <a:pPr lvl="1" marL="628650" marR="240665" indent="-236220">
-              <a:lnSpc>
-                <a:spcPct val="100699"/>
-              </a:lnSpc>
-              <a:spcBef>
-                <a:spcPts val="585"/>
-              </a:spcBef>
-              <a:buClr>
-                <a:srgbClr val="6697CC"/>
-              </a:buClr>
-              <a:buFont typeface="Arial MT"/>
-              <a:buChar char="–"/>
-              <a:tabLst>
-                <a:tab pos="628650" algn="l"/>
-              </a:tabLst>
-            </a:pPr>
-            <a:r>
-              <a:rPr dirty="0" sz="2300">
-                <a:latin typeface="Microsoft Sans Serif"/>
-                <a:cs typeface="Microsoft Sans Serif"/>
-              </a:rPr>
-              <a:t>A</a:t>
-            </a:r>
-            <a:r>
-              <a:rPr dirty="0" sz="2300" spc="-35">
-                <a:latin typeface="Microsoft Sans Serif"/>
-                <a:cs typeface="Microsoft Sans Serif"/>
-              </a:rPr>
-              <a:t> </a:t>
-            </a:r>
-            <a:r>
-              <a:rPr dirty="0" sz="2300" spc="65">
-                <a:latin typeface="Microsoft Sans Serif"/>
-                <a:cs typeface="Microsoft Sans Serif"/>
-              </a:rPr>
-              <a:t>big</a:t>
-            </a:r>
-            <a:r>
-              <a:rPr dirty="0" sz="2300" spc="-30">
-                <a:latin typeface="Microsoft Sans Serif"/>
-                <a:cs typeface="Microsoft Sans Serif"/>
-              </a:rPr>
-              <a:t> </a:t>
-            </a:r>
-            <a:r>
-              <a:rPr dirty="0" sz="2300">
-                <a:latin typeface="Microsoft Sans Serif"/>
-                <a:cs typeface="Microsoft Sans Serif"/>
-              </a:rPr>
-              <a:t>disadvantage</a:t>
-            </a:r>
-            <a:r>
-              <a:rPr dirty="0" sz="2300" spc="-35">
-                <a:latin typeface="Microsoft Sans Serif"/>
-                <a:cs typeface="Microsoft Sans Serif"/>
-              </a:rPr>
-              <a:t> </a:t>
-            </a:r>
-            <a:r>
-              <a:rPr dirty="0" sz="2300" spc="170">
-                <a:latin typeface="Microsoft Sans Serif"/>
-                <a:cs typeface="Microsoft Sans Serif"/>
-              </a:rPr>
-              <a:t>of</a:t>
-            </a:r>
-            <a:r>
-              <a:rPr dirty="0" sz="2300" spc="-40">
-                <a:latin typeface="Microsoft Sans Serif"/>
-                <a:cs typeface="Microsoft Sans Serif"/>
-              </a:rPr>
-              <a:t> </a:t>
-            </a:r>
-            <a:r>
-              <a:rPr dirty="0" sz="2300">
-                <a:latin typeface="Microsoft Sans Serif"/>
-                <a:cs typeface="Microsoft Sans Serif"/>
-              </a:rPr>
-              <a:t>AI</a:t>
-            </a:r>
-            <a:r>
-              <a:rPr dirty="0" sz="2300" spc="-30">
-                <a:latin typeface="Microsoft Sans Serif"/>
-                <a:cs typeface="Microsoft Sans Serif"/>
-              </a:rPr>
-              <a:t> </a:t>
-            </a:r>
-            <a:r>
-              <a:rPr dirty="0" sz="2300">
-                <a:latin typeface="Microsoft Sans Serif"/>
-                <a:cs typeface="Microsoft Sans Serif"/>
-              </a:rPr>
-              <a:t>is</a:t>
-            </a:r>
-            <a:r>
-              <a:rPr dirty="0" sz="2300" spc="-40">
-                <a:latin typeface="Microsoft Sans Serif"/>
-                <a:cs typeface="Microsoft Sans Serif"/>
-              </a:rPr>
-              <a:t> </a:t>
-            </a:r>
-            <a:r>
-              <a:rPr dirty="0" sz="2300" spc="135">
-                <a:latin typeface="Microsoft Sans Serif"/>
-                <a:cs typeface="Microsoft Sans Serif"/>
-              </a:rPr>
-              <a:t>that</a:t>
-            </a:r>
-            <a:r>
-              <a:rPr dirty="0" sz="2300" spc="-35">
-                <a:latin typeface="Microsoft Sans Serif"/>
-                <a:cs typeface="Microsoft Sans Serif"/>
-              </a:rPr>
-              <a:t> </a:t>
-            </a:r>
-            <a:r>
-              <a:rPr dirty="0" sz="2300" spc="170">
-                <a:latin typeface="Microsoft Sans Serif"/>
-                <a:cs typeface="Microsoft Sans Serif"/>
-              </a:rPr>
-              <a:t>it</a:t>
-            </a:r>
-            <a:r>
-              <a:rPr dirty="0" sz="2300" spc="-30">
-                <a:latin typeface="Microsoft Sans Serif"/>
-                <a:cs typeface="Microsoft Sans Serif"/>
-              </a:rPr>
-              <a:t> </a:t>
-            </a:r>
-            <a:r>
-              <a:rPr dirty="0" sz="2300" spc="50">
-                <a:latin typeface="Microsoft Sans Serif"/>
-                <a:cs typeface="Microsoft Sans Serif"/>
-              </a:rPr>
-              <a:t>cannot</a:t>
-            </a:r>
-            <a:r>
-              <a:rPr dirty="0" sz="2300" spc="-25">
-                <a:latin typeface="Microsoft Sans Serif"/>
-                <a:cs typeface="Microsoft Sans Serif"/>
-              </a:rPr>
-              <a:t> </a:t>
-            </a:r>
-            <a:r>
-              <a:rPr dirty="0" sz="2300">
-                <a:latin typeface="Microsoft Sans Serif"/>
-                <a:cs typeface="Microsoft Sans Serif"/>
-              </a:rPr>
-              <a:t>learn</a:t>
-            </a:r>
-            <a:r>
-              <a:rPr dirty="0" sz="2300" spc="-40">
-                <a:latin typeface="Microsoft Sans Serif"/>
-                <a:cs typeface="Microsoft Sans Serif"/>
-              </a:rPr>
-              <a:t> </a:t>
-            </a:r>
-            <a:r>
-              <a:rPr dirty="0" sz="2300" spc="190">
-                <a:latin typeface="Microsoft Sans Serif"/>
-                <a:cs typeface="Microsoft Sans Serif"/>
-              </a:rPr>
-              <a:t>to</a:t>
-            </a:r>
-            <a:r>
-              <a:rPr dirty="0" sz="2300" spc="-35">
-                <a:latin typeface="Microsoft Sans Serif"/>
-                <a:cs typeface="Microsoft Sans Serif"/>
-              </a:rPr>
-              <a:t> </a:t>
-            </a:r>
-            <a:r>
-              <a:rPr dirty="0" sz="2300" spc="85">
-                <a:latin typeface="Microsoft Sans Serif"/>
-                <a:cs typeface="Microsoft Sans Serif"/>
-              </a:rPr>
-              <a:t>think </a:t>
-            </a:r>
-            <a:r>
-              <a:rPr dirty="0" sz="2300" spc="60">
-                <a:latin typeface="Microsoft Sans Serif"/>
-                <a:cs typeface="Microsoft Sans Serif"/>
-              </a:rPr>
-              <a:t>outside</a:t>
-            </a:r>
-            <a:r>
-              <a:rPr dirty="0" sz="2300" spc="-65">
-                <a:latin typeface="Microsoft Sans Serif"/>
-                <a:cs typeface="Microsoft Sans Serif"/>
-              </a:rPr>
-              <a:t> </a:t>
-            </a:r>
-            <a:r>
-              <a:rPr dirty="0" sz="2300" spc="110">
-                <a:latin typeface="Microsoft Sans Serif"/>
-                <a:cs typeface="Microsoft Sans Serif"/>
-              </a:rPr>
-              <a:t>the</a:t>
-            </a:r>
-            <a:r>
-              <a:rPr dirty="0" sz="2300" spc="-70">
-                <a:latin typeface="Microsoft Sans Serif"/>
-                <a:cs typeface="Microsoft Sans Serif"/>
-              </a:rPr>
-              <a:t> </a:t>
-            </a:r>
-            <a:r>
-              <a:rPr dirty="0" sz="2300" spc="-20">
-                <a:latin typeface="Microsoft Sans Serif"/>
-                <a:cs typeface="Microsoft Sans Serif"/>
-              </a:rPr>
-              <a:t>box.</a:t>
-            </a:r>
-            <a:endParaRPr sz="2300">
-              <a:latin typeface="Microsoft Sans Serif"/>
-              <a:cs typeface="Microsoft Sans Serif"/>
-            </a:endParaRPr>
-          </a:p>
-          <a:p>
-            <a:pPr lvl="1" marL="628650" marR="5080" indent="-236220">
-              <a:lnSpc>
-                <a:spcPct val="100800"/>
-              </a:lnSpc>
-              <a:spcBef>
-                <a:spcPts val="580"/>
-              </a:spcBef>
-              <a:buClr>
-                <a:srgbClr val="6697CC"/>
-              </a:buClr>
-              <a:buFont typeface="Arial MT"/>
-              <a:buChar char="–"/>
-              <a:tabLst>
-                <a:tab pos="628650" algn="l"/>
-              </a:tabLst>
-            </a:pPr>
-            <a:r>
-              <a:rPr dirty="0" sz="2300">
-                <a:latin typeface="Microsoft Sans Serif"/>
-                <a:cs typeface="Microsoft Sans Serif"/>
-              </a:rPr>
-              <a:t>AI</a:t>
-            </a:r>
-            <a:r>
-              <a:rPr dirty="0" sz="2300" spc="-60">
-                <a:latin typeface="Microsoft Sans Serif"/>
-                <a:cs typeface="Microsoft Sans Serif"/>
-              </a:rPr>
-              <a:t> </a:t>
-            </a:r>
-            <a:r>
-              <a:rPr dirty="0" sz="2300">
-                <a:latin typeface="Microsoft Sans Serif"/>
-                <a:cs typeface="Microsoft Sans Serif"/>
-              </a:rPr>
-              <a:t>is</a:t>
-            </a:r>
-            <a:r>
-              <a:rPr dirty="0" sz="2300" spc="-60">
-                <a:latin typeface="Microsoft Sans Serif"/>
-                <a:cs typeface="Microsoft Sans Serif"/>
-              </a:rPr>
-              <a:t> </a:t>
-            </a:r>
-            <a:r>
-              <a:rPr dirty="0" sz="2300">
-                <a:latin typeface="Microsoft Sans Serif"/>
-                <a:cs typeface="Microsoft Sans Serif"/>
-              </a:rPr>
-              <a:t>capable</a:t>
-            </a:r>
-            <a:r>
-              <a:rPr dirty="0" sz="2300" spc="-55">
-                <a:latin typeface="Microsoft Sans Serif"/>
-                <a:cs typeface="Microsoft Sans Serif"/>
-              </a:rPr>
-              <a:t> </a:t>
-            </a:r>
-            <a:r>
-              <a:rPr dirty="0" sz="2300" spc="165">
-                <a:latin typeface="Microsoft Sans Serif"/>
-                <a:cs typeface="Microsoft Sans Serif"/>
-              </a:rPr>
-              <a:t>of</a:t>
-            </a:r>
-            <a:r>
-              <a:rPr dirty="0" sz="2300" spc="-60">
-                <a:latin typeface="Microsoft Sans Serif"/>
-                <a:cs typeface="Microsoft Sans Serif"/>
-              </a:rPr>
-              <a:t> </a:t>
-            </a:r>
-            <a:r>
-              <a:rPr dirty="0" sz="2300" spc="45">
-                <a:latin typeface="Microsoft Sans Serif"/>
-                <a:cs typeface="Microsoft Sans Serif"/>
-              </a:rPr>
-              <a:t>learning</a:t>
-            </a:r>
-            <a:r>
-              <a:rPr dirty="0" sz="2300" spc="-55">
-                <a:latin typeface="Microsoft Sans Serif"/>
-                <a:cs typeface="Microsoft Sans Serif"/>
-              </a:rPr>
-              <a:t> </a:t>
-            </a:r>
-            <a:r>
-              <a:rPr dirty="0" sz="2300" spc="55">
-                <a:latin typeface="Microsoft Sans Serif"/>
-                <a:cs typeface="Microsoft Sans Serif"/>
-              </a:rPr>
-              <a:t>over</a:t>
-            </a:r>
-            <a:r>
-              <a:rPr dirty="0" sz="2300" spc="-60">
-                <a:latin typeface="Microsoft Sans Serif"/>
-                <a:cs typeface="Microsoft Sans Serif"/>
-              </a:rPr>
-              <a:t> </a:t>
-            </a:r>
-            <a:r>
-              <a:rPr dirty="0" sz="2300" spc="100">
-                <a:latin typeface="Microsoft Sans Serif"/>
-                <a:cs typeface="Microsoft Sans Serif"/>
-              </a:rPr>
-              <a:t>time</a:t>
-            </a:r>
-            <a:r>
-              <a:rPr dirty="0" sz="2300" spc="-55">
-                <a:latin typeface="Microsoft Sans Serif"/>
-                <a:cs typeface="Microsoft Sans Serif"/>
-              </a:rPr>
-              <a:t> </a:t>
-            </a:r>
-            <a:r>
-              <a:rPr dirty="0" sz="2300" spc="125">
-                <a:latin typeface="Microsoft Sans Serif"/>
-                <a:cs typeface="Microsoft Sans Serif"/>
-              </a:rPr>
-              <a:t>with</a:t>
-            </a:r>
-            <a:r>
-              <a:rPr dirty="0" sz="2300" spc="-60">
-                <a:latin typeface="Microsoft Sans Serif"/>
-                <a:cs typeface="Microsoft Sans Serif"/>
-              </a:rPr>
-              <a:t> </a:t>
-            </a:r>
-            <a:r>
-              <a:rPr dirty="0" sz="2300">
-                <a:latin typeface="Microsoft Sans Serif"/>
-                <a:cs typeface="Microsoft Sans Serif"/>
-              </a:rPr>
-              <a:t>pre-</a:t>
-            </a:r>
-            <a:r>
-              <a:rPr dirty="0" sz="2300" spc="110">
-                <a:latin typeface="Microsoft Sans Serif"/>
-                <a:cs typeface="Microsoft Sans Serif"/>
-              </a:rPr>
-              <a:t>fed</a:t>
-            </a:r>
-            <a:r>
-              <a:rPr dirty="0" sz="2300" spc="-55">
-                <a:latin typeface="Microsoft Sans Serif"/>
-                <a:cs typeface="Microsoft Sans Serif"/>
-              </a:rPr>
-              <a:t> </a:t>
-            </a:r>
-            <a:r>
-              <a:rPr dirty="0" sz="2300" spc="60">
-                <a:latin typeface="Microsoft Sans Serif"/>
-                <a:cs typeface="Microsoft Sans Serif"/>
-              </a:rPr>
-              <a:t>data</a:t>
-            </a:r>
-            <a:r>
-              <a:rPr dirty="0" sz="2300" spc="-55">
-                <a:latin typeface="Microsoft Sans Serif"/>
-                <a:cs typeface="Microsoft Sans Serif"/>
-              </a:rPr>
-              <a:t> </a:t>
-            </a:r>
-            <a:r>
-              <a:rPr dirty="0" sz="2300" spc="-25">
-                <a:latin typeface="Microsoft Sans Serif"/>
-                <a:cs typeface="Microsoft Sans Serif"/>
-              </a:rPr>
-              <a:t>and </a:t>
-            </a:r>
-            <a:r>
-              <a:rPr dirty="0" sz="2300">
-                <a:latin typeface="Microsoft Sans Serif"/>
-                <a:cs typeface="Microsoft Sans Serif"/>
-              </a:rPr>
-              <a:t>past</a:t>
-            </a:r>
-            <a:r>
-              <a:rPr dirty="0" sz="2300" spc="25">
-                <a:latin typeface="Microsoft Sans Serif"/>
-                <a:cs typeface="Microsoft Sans Serif"/>
-              </a:rPr>
-              <a:t> </a:t>
-            </a:r>
-            <a:r>
-              <a:rPr dirty="0" sz="2300">
-                <a:latin typeface="Microsoft Sans Serif"/>
-                <a:cs typeface="Microsoft Sans Serif"/>
-              </a:rPr>
-              <a:t>experiences,</a:t>
-            </a:r>
-            <a:r>
-              <a:rPr dirty="0" sz="2300" spc="20">
-                <a:latin typeface="Microsoft Sans Serif"/>
-                <a:cs typeface="Microsoft Sans Serif"/>
-              </a:rPr>
-              <a:t> </a:t>
-            </a:r>
-            <a:r>
-              <a:rPr dirty="0" sz="2300" spc="135">
-                <a:latin typeface="Microsoft Sans Serif"/>
-                <a:cs typeface="Microsoft Sans Serif"/>
-              </a:rPr>
-              <a:t>but</a:t>
-            </a:r>
-            <a:r>
-              <a:rPr dirty="0" sz="2300" spc="25">
-                <a:latin typeface="Microsoft Sans Serif"/>
-                <a:cs typeface="Microsoft Sans Serif"/>
-              </a:rPr>
-              <a:t> </a:t>
-            </a:r>
-            <a:r>
-              <a:rPr dirty="0" sz="2300" spc="50">
-                <a:latin typeface="Microsoft Sans Serif"/>
-                <a:cs typeface="Microsoft Sans Serif"/>
-              </a:rPr>
-              <a:t>cannot</a:t>
-            </a:r>
-            <a:r>
-              <a:rPr dirty="0" sz="2300" spc="20">
-                <a:latin typeface="Microsoft Sans Serif"/>
-                <a:cs typeface="Microsoft Sans Serif"/>
-              </a:rPr>
-              <a:t> </a:t>
-            </a:r>
-            <a:r>
-              <a:rPr dirty="0" sz="2300" spc="50">
-                <a:latin typeface="Microsoft Sans Serif"/>
-                <a:cs typeface="Microsoft Sans Serif"/>
-              </a:rPr>
-              <a:t>be</a:t>
-            </a:r>
-            <a:r>
-              <a:rPr dirty="0" sz="2300" spc="20">
-                <a:latin typeface="Microsoft Sans Serif"/>
-                <a:cs typeface="Microsoft Sans Serif"/>
-              </a:rPr>
-              <a:t> </a:t>
-            </a:r>
-            <a:r>
-              <a:rPr dirty="0" sz="2300">
-                <a:latin typeface="Microsoft Sans Serif"/>
-                <a:cs typeface="Microsoft Sans Serif"/>
-              </a:rPr>
-              <a:t>creative</a:t>
-            </a:r>
-            <a:r>
-              <a:rPr dirty="0" sz="2300" spc="25">
-                <a:latin typeface="Microsoft Sans Serif"/>
-                <a:cs typeface="Microsoft Sans Serif"/>
-              </a:rPr>
-              <a:t> </a:t>
-            </a:r>
-            <a:r>
-              <a:rPr dirty="0" sz="2300">
-                <a:latin typeface="Microsoft Sans Serif"/>
-                <a:cs typeface="Microsoft Sans Serif"/>
-              </a:rPr>
-              <a:t>in</a:t>
-            </a:r>
-            <a:r>
-              <a:rPr dirty="0" sz="2300" spc="25">
-                <a:latin typeface="Microsoft Sans Serif"/>
-                <a:cs typeface="Microsoft Sans Serif"/>
-              </a:rPr>
-              <a:t> </a:t>
-            </a:r>
-            <a:r>
-              <a:rPr dirty="0" sz="2300" spc="70">
-                <a:latin typeface="Microsoft Sans Serif"/>
-                <a:cs typeface="Microsoft Sans Serif"/>
-              </a:rPr>
-              <a:t>its</a:t>
-            </a:r>
-            <a:r>
-              <a:rPr dirty="0" sz="2300" spc="20">
-                <a:latin typeface="Microsoft Sans Serif"/>
-                <a:cs typeface="Microsoft Sans Serif"/>
-              </a:rPr>
-              <a:t> </a:t>
-            </a:r>
-            <a:r>
-              <a:rPr dirty="0" sz="2300" spc="-10">
-                <a:latin typeface="Microsoft Sans Serif"/>
-                <a:cs typeface="Microsoft Sans Serif"/>
-              </a:rPr>
-              <a:t>approach.</a:t>
-            </a:r>
-            <a:endParaRPr sz="2300">
-              <a:latin typeface="Microsoft Sans Serif"/>
-              <a:cs typeface="Microsoft Sans Serif"/>
-            </a:endParaRPr>
-          </a:p>
-          <a:p>
-            <a:pPr lvl="1" marL="628650" marR="224790" indent="-236220">
-              <a:lnSpc>
-                <a:spcPct val="100699"/>
-              </a:lnSpc>
-              <a:spcBef>
-                <a:spcPts val="580"/>
-              </a:spcBef>
-              <a:buClr>
-                <a:srgbClr val="6697CC"/>
-              </a:buClr>
-              <a:buFont typeface="Arial MT"/>
-              <a:buChar char="–"/>
-              <a:tabLst>
-                <a:tab pos="628650" algn="l"/>
-              </a:tabLst>
-            </a:pPr>
-            <a:r>
-              <a:rPr dirty="0" sz="2300">
-                <a:latin typeface="Microsoft Sans Serif"/>
-                <a:cs typeface="Microsoft Sans Serif"/>
-              </a:rPr>
-              <a:t>A</a:t>
-            </a:r>
-            <a:r>
-              <a:rPr dirty="0" sz="2300" spc="-65">
-                <a:latin typeface="Microsoft Sans Serif"/>
-                <a:cs typeface="Microsoft Sans Serif"/>
-              </a:rPr>
-              <a:t> </a:t>
-            </a:r>
-            <a:r>
-              <a:rPr dirty="0" sz="2300" spc="-40">
-                <a:latin typeface="Microsoft Sans Serif"/>
-                <a:cs typeface="Microsoft Sans Serif"/>
-              </a:rPr>
-              <a:t>classic</a:t>
-            </a:r>
-            <a:r>
-              <a:rPr dirty="0" sz="2300" spc="-60">
-                <a:latin typeface="Microsoft Sans Serif"/>
-                <a:cs typeface="Microsoft Sans Serif"/>
-              </a:rPr>
-              <a:t> </a:t>
-            </a:r>
-            <a:r>
-              <a:rPr dirty="0" sz="2300">
-                <a:latin typeface="Microsoft Sans Serif"/>
-                <a:cs typeface="Microsoft Sans Serif"/>
-              </a:rPr>
-              <a:t>example</a:t>
-            </a:r>
-            <a:r>
-              <a:rPr dirty="0" sz="2300" spc="-60">
-                <a:latin typeface="Microsoft Sans Serif"/>
-                <a:cs typeface="Microsoft Sans Serif"/>
-              </a:rPr>
-              <a:t> </a:t>
-            </a:r>
-            <a:r>
-              <a:rPr dirty="0" sz="2300" spc="-10">
-                <a:latin typeface="Microsoft Sans Serif"/>
-                <a:cs typeface="Microsoft Sans Serif"/>
-              </a:rPr>
-              <a:t>is</a:t>
-            </a:r>
-            <a:r>
-              <a:rPr dirty="0" sz="2300" spc="-60">
-                <a:latin typeface="Microsoft Sans Serif"/>
-                <a:cs typeface="Microsoft Sans Serif"/>
-              </a:rPr>
-              <a:t> </a:t>
-            </a:r>
-            <a:r>
-              <a:rPr dirty="0" sz="2300" spc="110">
-                <a:latin typeface="Microsoft Sans Serif"/>
-                <a:cs typeface="Microsoft Sans Serif"/>
-              </a:rPr>
-              <a:t>the</a:t>
-            </a:r>
-            <a:r>
-              <a:rPr dirty="0" sz="2300" spc="-60">
-                <a:latin typeface="Microsoft Sans Serif"/>
-                <a:cs typeface="Microsoft Sans Serif"/>
-              </a:rPr>
-              <a:t> </a:t>
-            </a:r>
-            <a:r>
-              <a:rPr dirty="0" sz="2300" spc="150">
-                <a:latin typeface="Microsoft Sans Serif"/>
-                <a:cs typeface="Microsoft Sans Serif"/>
-              </a:rPr>
-              <a:t>bot</a:t>
-            </a:r>
-            <a:r>
-              <a:rPr dirty="0" sz="2300" spc="-55">
-                <a:latin typeface="Microsoft Sans Serif"/>
-                <a:cs typeface="Microsoft Sans Serif"/>
-              </a:rPr>
-              <a:t> </a:t>
-            </a:r>
-            <a:r>
-              <a:rPr dirty="0" sz="2300" spc="60">
-                <a:latin typeface="Microsoft Sans Serif"/>
-                <a:cs typeface="Microsoft Sans Serif"/>
-              </a:rPr>
-              <a:t>Quill</a:t>
-            </a:r>
-            <a:r>
-              <a:rPr dirty="0" sz="2300" spc="-70">
-                <a:latin typeface="Microsoft Sans Serif"/>
-                <a:cs typeface="Microsoft Sans Serif"/>
-              </a:rPr>
-              <a:t> </a:t>
-            </a:r>
-            <a:r>
-              <a:rPr dirty="0" sz="2300" spc="80">
-                <a:latin typeface="Microsoft Sans Serif"/>
-                <a:cs typeface="Microsoft Sans Serif"/>
-              </a:rPr>
-              <a:t>who</a:t>
-            </a:r>
-            <a:r>
-              <a:rPr dirty="0" sz="2300" spc="-60">
-                <a:latin typeface="Microsoft Sans Serif"/>
-                <a:cs typeface="Microsoft Sans Serif"/>
-              </a:rPr>
-              <a:t> </a:t>
-            </a:r>
-            <a:r>
-              <a:rPr dirty="0" sz="2300" spc="-20">
-                <a:latin typeface="Microsoft Sans Serif"/>
-                <a:cs typeface="Microsoft Sans Serif"/>
-              </a:rPr>
-              <a:t>can</a:t>
-            </a:r>
-            <a:r>
-              <a:rPr dirty="0" sz="2300" spc="-65">
-                <a:latin typeface="Microsoft Sans Serif"/>
-                <a:cs typeface="Microsoft Sans Serif"/>
-              </a:rPr>
-              <a:t> </a:t>
-            </a:r>
-            <a:r>
-              <a:rPr dirty="0" sz="2300" spc="120">
-                <a:latin typeface="Microsoft Sans Serif"/>
-                <a:cs typeface="Microsoft Sans Serif"/>
-              </a:rPr>
-              <a:t>write</a:t>
-            </a:r>
-            <a:r>
-              <a:rPr dirty="0" sz="2300" spc="-65">
-                <a:latin typeface="Microsoft Sans Serif"/>
-                <a:cs typeface="Microsoft Sans Serif"/>
-              </a:rPr>
-              <a:t> </a:t>
-            </a:r>
-            <a:r>
-              <a:rPr dirty="0" sz="2300" spc="-10">
-                <a:latin typeface="Microsoft Sans Serif"/>
-                <a:cs typeface="Microsoft Sans Serif"/>
-              </a:rPr>
-              <a:t>Forbes </a:t>
-            </a:r>
-            <a:r>
-              <a:rPr dirty="0" sz="2300">
-                <a:latin typeface="Microsoft Sans Serif"/>
-                <a:cs typeface="Microsoft Sans Serif"/>
-              </a:rPr>
-              <a:t>earning</a:t>
-            </a:r>
-            <a:r>
-              <a:rPr dirty="0" sz="2300" spc="-25">
-                <a:latin typeface="Microsoft Sans Serif"/>
-                <a:cs typeface="Microsoft Sans Serif"/>
-              </a:rPr>
-              <a:t> </a:t>
-            </a:r>
-            <a:r>
-              <a:rPr dirty="0" sz="2300" spc="60">
-                <a:latin typeface="Microsoft Sans Serif"/>
-                <a:cs typeface="Microsoft Sans Serif"/>
-              </a:rPr>
-              <a:t>reports.</a:t>
-            </a:r>
-            <a:r>
-              <a:rPr dirty="0" sz="2300" spc="-45">
-                <a:latin typeface="Microsoft Sans Serif"/>
-                <a:cs typeface="Microsoft Sans Serif"/>
-              </a:rPr>
-              <a:t> </a:t>
-            </a:r>
-            <a:r>
-              <a:rPr dirty="0" sz="2300" spc="-25">
-                <a:latin typeface="Microsoft Sans Serif"/>
-                <a:cs typeface="Microsoft Sans Serif"/>
-              </a:rPr>
-              <a:t>These</a:t>
-            </a:r>
-            <a:r>
-              <a:rPr dirty="0" sz="2300" spc="-35">
-                <a:latin typeface="Microsoft Sans Serif"/>
-                <a:cs typeface="Microsoft Sans Serif"/>
-              </a:rPr>
-              <a:t> </a:t>
-            </a:r>
-            <a:r>
-              <a:rPr dirty="0" sz="2300" spc="85">
-                <a:latin typeface="Microsoft Sans Serif"/>
-                <a:cs typeface="Microsoft Sans Serif"/>
-              </a:rPr>
-              <a:t>reports</a:t>
-            </a:r>
-            <a:r>
-              <a:rPr dirty="0" sz="2300" spc="-40">
-                <a:latin typeface="Microsoft Sans Serif"/>
-                <a:cs typeface="Microsoft Sans Serif"/>
-              </a:rPr>
-              <a:t> </a:t>
-            </a:r>
-            <a:r>
-              <a:rPr dirty="0" sz="2300" spc="55">
-                <a:latin typeface="Microsoft Sans Serif"/>
-                <a:cs typeface="Microsoft Sans Serif"/>
-              </a:rPr>
-              <a:t>only</a:t>
-            </a:r>
-            <a:r>
-              <a:rPr dirty="0" sz="2300" spc="-40">
-                <a:latin typeface="Microsoft Sans Serif"/>
-                <a:cs typeface="Microsoft Sans Serif"/>
-              </a:rPr>
-              <a:t> </a:t>
-            </a:r>
-            <a:r>
-              <a:rPr dirty="0" sz="2300" spc="55">
-                <a:latin typeface="Microsoft Sans Serif"/>
-                <a:cs typeface="Microsoft Sans Serif"/>
-              </a:rPr>
-              <a:t>contain</a:t>
-            </a:r>
-            <a:r>
-              <a:rPr dirty="0" sz="2300" spc="-40">
-                <a:latin typeface="Microsoft Sans Serif"/>
-                <a:cs typeface="Microsoft Sans Serif"/>
-              </a:rPr>
-              <a:t> </a:t>
-            </a:r>
-            <a:r>
-              <a:rPr dirty="0" sz="2300" spc="60">
-                <a:latin typeface="Microsoft Sans Serif"/>
-                <a:cs typeface="Microsoft Sans Serif"/>
-              </a:rPr>
-              <a:t>data</a:t>
-            </a:r>
-            <a:r>
-              <a:rPr dirty="0" sz="2300" spc="-35">
-                <a:latin typeface="Microsoft Sans Serif"/>
-                <a:cs typeface="Microsoft Sans Serif"/>
-              </a:rPr>
-              <a:t> </a:t>
-            </a:r>
-            <a:r>
-              <a:rPr dirty="0" sz="2300" spc="-25">
-                <a:latin typeface="Microsoft Sans Serif"/>
-                <a:cs typeface="Microsoft Sans Serif"/>
-              </a:rPr>
-              <a:t>and </a:t>
-            </a:r>
-            <a:r>
-              <a:rPr dirty="0" sz="2300" spc="55">
-                <a:latin typeface="Microsoft Sans Serif"/>
-                <a:cs typeface="Microsoft Sans Serif"/>
-              </a:rPr>
-              <a:t>facts</a:t>
-            </a:r>
-            <a:r>
-              <a:rPr dirty="0" sz="2300" spc="-40">
-                <a:latin typeface="Microsoft Sans Serif"/>
-                <a:cs typeface="Microsoft Sans Serif"/>
-              </a:rPr>
-              <a:t> </a:t>
-            </a:r>
-            <a:r>
-              <a:rPr dirty="0" sz="2300">
-                <a:latin typeface="Microsoft Sans Serif"/>
-                <a:cs typeface="Microsoft Sans Serif"/>
-              </a:rPr>
-              <a:t>already</a:t>
-            </a:r>
-            <a:r>
-              <a:rPr dirty="0" sz="2300" spc="-40">
-                <a:latin typeface="Microsoft Sans Serif"/>
-                <a:cs typeface="Microsoft Sans Serif"/>
-              </a:rPr>
-              <a:t> </a:t>
-            </a:r>
-            <a:r>
-              <a:rPr dirty="0" sz="2300" spc="65">
-                <a:latin typeface="Microsoft Sans Serif"/>
-                <a:cs typeface="Microsoft Sans Serif"/>
-              </a:rPr>
-              <a:t>provided</a:t>
-            </a:r>
-            <a:r>
-              <a:rPr dirty="0" sz="2300" spc="-35">
-                <a:latin typeface="Microsoft Sans Serif"/>
-                <a:cs typeface="Microsoft Sans Serif"/>
-              </a:rPr>
-              <a:t> </a:t>
-            </a:r>
-            <a:r>
-              <a:rPr dirty="0" sz="2300" spc="190">
-                <a:latin typeface="Microsoft Sans Serif"/>
-                <a:cs typeface="Microsoft Sans Serif"/>
-              </a:rPr>
-              <a:t>to</a:t>
-            </a:r>
-            <a:r>
-              <a:rPr dirty="0" sz="2300" spc="-35">
-                <a:latin typeface="Microsoft Sans Serif"/>
-                <a:cs typeface="Microsoft Sans Serif"/>
-              </a:rPr>
-              <a:t> </a:t>
-            </a:r>
-            <a:r>
-              <a:rPr dirty="0" sz="2300" spc="110">
-                <a:latin typeface="Microsoft Sans Serif"/>
-                <a:cs typeface="Microsoft Sans Serif"/>
-              </a:rPr>
-              <a:t>the</a:t>
-            </a:r>
-            <a:r>
-              <a:rPr dirty="0" sz="2300" spc="-35">
-                <a:latin typeface="Microsoft Sans Serif"/>
-                <a:cs typeface="Microsoft Sans Serif"/>
-              </a:rPr>
-              <a:t> </a:t>
-            </a:r>
-            <a:r>
-              <a:rPr dirty="0" sz="2300" spc="75">
-                <a:latin typeface="Microsoft Sans Serif"/>
-                <a:cs typeface="Microsoft Sans Serif"/>
-              </a:rPr>
-              <a:t>bot.</a:t>
-            </a:r>
-            <a:endParaRPr sz="2300">
-              <a:latin typeface="Microsoft Sans Serif"/>
-              <a:cs typeface="Microsoft Sans Serif"/>
-            </a:endParaRPr>
-          </a:p>
-          <a:p>
-            <a:pPr lvl="1" marL="628650" marR="232410" indent="-236220">
-              <a:lnSpc>
-                <a:spcPct val="100699"/>
-              </a:lnSpc>
-              <a:spcBef>
-                <a:spcPts val="580"/>
-              </a:spcBef>
-              <a:buClr>
-                <a:srgbClr val="6697CC"/>
-              </a:buClr>
-              <a:buFont typeface="Arial MT"/>
-              <a:buChar char="–"/>
-              <a:tabLst>
-                <a:tab pos="628650" algn="l"/>
-              </a:tabLst>
-            </a:pPr>
-            <a:r>
-              <a:rPr dirty="0" sz="2300" spc="80">
-                <a:latin typeface="Microsoft Sans Serif"/>
-                <a:cs typeface="Microsoft Sans Serif"/>
-              </a:rPr>
-              <a:t>Although</a:t>
-            </a:r>
-            <a:r>
-              <a:rPr dirty="0" sz="2300" spc="-85">
-                <a:latin typeface="Microsoft Sans Serif"/>
-                <a:cs typeface="Microsoft Sans Serif"/>
-              </a:rPr>
-              <a:t> </a:t>
-            </a:r>
-            <a:r>
-              <a:rPr dirty="0" sz="2300" spc="170">
-                <a:latin typeface="Microsoft Sans Serif"/>
-                <a:cs typeface="Microsoft Sans Serif"/>
-              </a:rPr>
-              <a:t>it</a:t>
-            </a:r>
-            <a:r>
-              <a:rPr dirty="0" sz="2300" spc="-70">
-                <a:latin typeface="Microsoft Sans Serif"/>
-                <a:cs typeface="Microsoft Sans Serif"/>
-              </a:rPr>
-              <a:t> </a:t>
-            </a:r>
-            <a:r>
-              <a:rPr dirty="0" sz="2300">
-                <a:latin typeface="Microsoft Sans Serif"/>
-                <a:cs typeface="Microsoft Sans Serif"/>
-              </a:rPr>
-              <a:t>is</a:t>
-            </a:r>
-            <a:r>
-              <a:rPr dirty="0" sz="2300" spc="-80">
-                <a:latin typeface="Microsoft Sans Serif"/>
-                <a:cs typeface="Microsoft Sans Serif"/>
-              </a:rPr>
-              <a:t> </a:t>
-            </a:r>
-            <a:r>
-              <a:rPr dirty="0" sz="2300">
-                <a:latin typeface="Microsoft Sans Serif"/>
-                <a:cs typeface="Microsoft Sans Serif"/>
-              </a:rPr>
-              <a:t>impressive</a:t>
-            </a:r>
-            <a:r>
-              <a:rPr dirty="0" sz="2300" spc="-80">
-                <a:latin typeface="Microsoft Sans Serif"/>
-                <a:cs typeface="Microsoft Sans Serif"/>
-              </a:rPr>
-              <a:t> </a:t>
-            </a:r>
-            <a:r>
-              <a:rPr dirty="0" sz="2300" spc="135">
-                <a:latin typeface="Microsoft Sans Serif"/>
-                <a:cs typeface="Microsoft Sans Serif"/>
-              </a:rPr>
-              <a:t>that</a:t>
-            </a:r>
-            <a:r>
-              <a:rPr dirty="0" sz="2300" spc="-75">
-                <a:latin typeface="Microsoft Sans Serif"/>
-                <a:cs typeface="Microsoft Sans Serif"/>
-              </a:rPr>
-              <a:t> </a:t>
-            </a:r>
-            <a:r>
-              <a:rPr dirty="0" sz="2300">
-                <a:latin typeface="Microsoft Sans Serif"/>
-                <a:cs typeface="Microsoft Sans Serif"/>
-              </a:rPr>
-              <a:t>a</a:t>
-            </a:r>
-            <a:r>
-              <a:rPr dirty="0" sz="2300" spc="-75">
-                <a:latin typeface="Microsoft Sans Serif"/>
-                <a:cs typeface="Microsoft Sans Serif"/>
-              </a:rPr>
-              <a:t> </a:t>
-            </a:r>
-            <a:r>
-              <a:rPr dirty="0" sz="2300" spc="155">
-                <a:latin typeface="Microsoft Sans Serif"/>
-                <a:cs typeface="Microsoft Sans Serif"/>
-              </a:rPr>
-              <a:t>bot</a:t>
-            </a:r>
-            <a:r>
-              <a:rPr dirty="0" sz="2300" spc="-80">
-                <a:latin typeface="Microsoft Sans Serif"/>
-                <a:cs typeface="Microsoft Sans Serif"/>
-              </a:rPr>
-              <a:t> </a:t>
-            </a:r>
-            <a:r>
-              <a:rPr dirty="0" sz="2300" spc="-20">
-                <a:latin typeface="Microsoft Sans Serif"/>
-                <a:cs typeface="Microsoft Sans Serif"/>
-              </a:rPr>
-              <a:t>can</a:t>
-            </a:r>
-            <a:r>
-              <a:rPr dirty="0" sz="2300" spc="-80">
-                <a:latin typeface="Microsoft Sans Serif"/>
-                <a:cs typeface="Microsoft Sans Serif"/>
-              </a:rPr>
-              <a:t> </a:t>
-            </a:r>
-            <a:r>
-              <a:rPr dirty="0" sz="2300" spc="120">
-                <a:latin typeface="Microsoft Sans Serif"/>
-                <a:cs typeface="Microsoft Sans Serif"/>
-              </a:rPr>
-              <a:t>write</a:t>
-            </a:r>
-            <a:r>
-              <a:rPr dirty="0" sz="2300" spc="-80">
-                <a:latin typeface="Microsoft Sans Serif"/>
-                <a:cs typeface="Microsoft Sans Serif"/>
-              </a:rPr>
-              <a:t> </a:t>
-            </a:r>
-            <a:r>
-              <a:rPr dirty="0" sz="2300">
-                <a:latin typeface="Microsoft Sans Serif"/>
-                <a:cs typeface="Microsoft Sans Serif"/>
-              </a:rPr>
-              <a:t>an</a:t>
-            </a:r>
-            <a:r>
-              <a:rPr dirty="0" sz="2300" spc="-75">
-                <a:latin typeface="Microsoft Sans Serif"/>
-                <a:cs typeface="Microsoft Sans Serif"/>
-              </a:rPr>
-              <a:t> </a:t>
-            </a:r>
-            <a:r>
-              <a:rPr dirty="0" sz="2300" spc="50">
-                <a:latin typeface="Microsoft Sans Serif"/>
-                <a:cs typeface="Microsoft Sans Serif"/>
-              </a:rPr>
-              <a:t>article </a:t>
-            </a:r>
-            <a:r>
-              <a:rPr dirty="0" sz="2300" spc="60">
-                <a:latin typeface="Microsoft Sans Serif"/>
-                <a:cs typeface="Microsoft Sans Serif"/>
-              </a:rPr>
-              <a:t>on</a:t>
-            </a:r>
-            <a:r>
-              <a:rPr dirty="0" sz="2300" spc="-45">
-                <a:latin typeface="Microsoft Sans Serif"/>
-                <a:cs typeface="Microsoft Sans Serif"/>
-              </a:rPr>
-              <a:t> </a:t>
-            </a:r>
-            <a:r>
-              <a:rPr dirty="0" sz="2300" spc="70">
-                <a:latin typeface="Microsoft Sans Serif"/>
-                <a:cs typeface="Microsoft Sans Serif"/>
-              </a:rPr>
-              <a:t>its</a:t>
-            </a:r>
-            <a:r>
-              <a:rPr dirty="0" sz="2300" spc="-45">
-                <a:latin typeface="Microsoft Sans Serif"/>
-                <a:cs typeface="Microsoft Sans Serif"/>
-              </a:rPr>
-              <a:t> </a:t>
-            </a:r>
-            <a:r>
-              <a:rPr dirty="0" sz="2300">
-                <a:latin typeface="Microsoft Sans Serif"/>
-                <a:cs typeface="Microsoft Sans Serif"/>
-              </a:rPr>
-              <a:t>own,</a:t>
-            </a:r>
-            <a:r>
-              <a:rPr dirty="0" sz="2300" spc="-50">
-                <a:latin typeface="Microsoft Sans Serif"/>
-                <a:cs typeface="Microsoft Sans Serif"/>
-              </a:rPr>
-              <a:t> </a:t>
-            </a:r>
-            <a:r>
-              <a:rPr dirty="0" sz="2300" spc="170">
-                <a:latin typeface="Microsoft Sans Serif"/>
-                <a:cs typeface="Microsoft Sans Serif"/>
-              </a:rPr>
-              <a:t>it</a:t>
-            </a:r>
-            <a:r>
-              <a:rPr dirty="0" sz="2300" spc="-35">
-                <a:latin typeface="Microsoft Sans Serif"/>
-                <a:cs typeface="Microsoft Sans Serif"/>
-              </a:rPr>
-              <a:t> </a:t>
-            </a:r>
-            <a:r>
-              <a:rPr dirty="0" sz="2300" spc="-20">
-                <a:latin typeface="Microsoft Sans Serif"/>
-                <a:cs typeface="Microsoft Sans Serif"/>
-              </a:rPr>
-              <a:t>lacks</a:t>
-            </a:r>
-            <a:r>
-              <a:rPr dirty="0" sz="2300" spc="-45">
-                <a:latin typeface="Microsoft Sans Serif"/>
-                <a:cs typeface="Microsoft Sans Serif"/>
-              </a:rPr>
-              <a:t> </a:t>
-            </a:r>
-            <a:r>
-              <a:rPr dirty="0" sz="2300" spc="105">
-                <a:latin typeface="Microsoft Sans Serif"/>
-                <a:cs typeface="Microsoft Sans Serif"/>
-              </a:rPr>
-              <a:t>the</a:t>
-            </a:r>
-            <a:r>
-              <a:rPr dirty="0" sz="2300" spc="-40">
-                <a:latin typeface="Microsoft Sans Serif"/>
-                <a:cs typeface="Microsoft Sans Serif"/>
-              </a:rPr>
-              <a:t> </a:t>
-            </a:r>
-            <a:r>
-              <a:rPr dirty="0" sz="2300">
-                <a:latin typeface="Microsoft Sans Serif"/>
-                <a:cs typeface="Microsoft Sans Serif"/>
-              </a:rPr>
-              <a:t>human</a:t>
-            </a:r>
-            <a:r>
-              <a:rPr dirty="0" sz="2300" spc="-45">
-                <a:latin typeface="Microsoft Sans Serif"/>
-                <a:cs typeface="Microsoft Sans Serif"/>
-              </a:rPr>
-              <a:t> </a:t>
-            </a:r>
-            <a:r>
-              <a:rPr dirty="0" sz="2300" spc="75">
-                <a:latin typeface="Microsoft Sans Serif"/>
-                <a:cs typeface="Microsoft Sans Serif"/>
-              </a:rPr>
-              <a:t>touch</a:t>
-            </a:r>
-            <a:r>
-              <a:rPr dirty="0" sz="2300" spc="-55">
-                <a:latin typeface="Microsoft Sans Serif"/>
-                <a:cs typeface="Microsoft Sans Serif"/>
-              </a:rPr>
-              <a:t> </a:t>
-            </a:r>
-            <a:r>
-              <a:rPr dirty="0" sz="2300" spc="65">
-                <a:latin typeface="Microsoft Sans Serif"/>
-                <a:cs typeface="Microsoft Sans Serif"/>
-              </a:rPr>
-              <a:t>present</a:t>
-            </a:r>
-            <a:r>
-              <a:rPr dirty="0" sz="2300" spc="-45">
-                <a:latin typeface="Microsoft Sans Serif"/>
-                <a:cs typeface="Microsoft Sans Serif"/>
-              </a:rPr>
-              <a:t> </a:t>
-            </a:r>
-            <a:r>
-              <a:rPr dirty="0" sz="2300" spc="50">
-                <a:latin typeface="Microsoft Sans Serif"/>
-                <a:cs typeface="Microsoft Sans Serif"/>
-              </a:rPr>
-              <a:t>in</a:t>
-            </a:r>
-            <a:r>
-              <a:rPr dirty="0" sz="2300" spc="-45">
-                <a:latin typeface="Microsoft Sans Serif"/>
-                <a:cs typeface="Microsoft Sans Serif"/>
-              </a:rPr>
-              <a:t> </a:t>
-            </a:r>
-            <a:r>
-              <a:rPr dirty="0" sz="2300" spc="85">
-                <a:latin typeface="Microsoft Sans Serif"/>
-                <a:cs typeface="Microsoft Sans Serif"/>
-              </a:rPr>
-              <a:t>other </a:t>
-            </a:r>
-            <a:r>
-              <a:rPr dirty="0" sz="2300">
-                <a:latin typeface="Microsoft Sans Serif"/>
-                <a:cs typeface="Microsoft Sans Serif"/>
-              </a:rPr>
-              <a:t>Forbes</a:t>
-            </a:r>
-            <a:r>
-              <a:rPr dirty="0" sz="2300" spc="-65">
-                <a:latin typeface="Microsoft Sans Serif"/>
-                <a:cs typeface="Microsoft Sans Serif"/>
-              </a:rPr>
-              <a:t> </a:t>
-            </a:r>
-            <a:r>
-              <a:rPr dirty="0" sz="2300" spc="-10">
-                <a:latin typeface="Microsoft Sans Serif"/>
-                <a:cs typeface="Microsoft Sans Serif"/>
-              </a:rPr>
-              <a:t>articles.</a:t>
-            </a:r>
-            <a:endParaRPr sz="2300">
-              <a:latin typeface="Microsoft Sans Serif"/>
-              <a:cs typeface="Microsoft Sans Serif"/>
-            </a:endParaRPr>
+          <a:p/>
+          <a:p>
+            <a:pPr/>
+            <a:r>
+              <a:rPr sz="2800">
+                <a:latin typeface="Century Gothic"/>
+              </a:rPr>
+              <a:t>Anti-virus and Anti-spyware Software</a:t>
+            </a:r>
+          </a:p>
+        </p:txBody>
+      </p:sp>
+      <p:sp>
+        <p:nvSpPr>
+          <p:cNvPr id="3" name="TextBox 2"/>
+          <p:cNvSpPr txBox="1"/>
+          <p:nvPr/>
+        </p:nvSpPr>
+        <p:spPr>
+          <a:xfrm>
+            <a:off x="1447800" y="1524001"/>
+            <a:ext cx="6629400" cy="2585323"/>
+          </a:xfrm>
+          <a:prstGeom prst="rect">
+            <a:avLst/>
+          </a:prstGeom>
+          <a:noFill/>
+        </p:spPr>
+        <p:txBody>
+          <a:bodyPr wrap="square">
+            <a:spAutoFit/>
+          </a:bodyPr>
+          <a:lstStyle/>
+          <a:p/>
+          <a:p>
+            <a:pPr/>
+            <a:r>
+              <a:rPr>
+                <a:latin typeface="Century"/>
+              </a:rPr>
+              <a:t>Anti-virus software detects </a:t>
+            </a:r>
+            <a:r>
+              <a:rPr>
+                <a:latin typeface="Century"/>
+              </a:rPr>
+              <a:t>certain types of malware </a:t>
+            </a:r>
+            <a:r>
+              <a:rPr>
+                <a:latin typeface="Century"/>
+              </a:rPr>
+              <a:t>and can destroy it before any damage is </a:t>
+            </a:r>
+            <a:r>
+              <a:rPr>
+                <a:latin typeface="Century"/>
+              </a:rPr>
+              <a:t>done.</a:t>
+            </a:r>
+          </a:p>
+          <a:p>
+            <a:pPr/>
+            <a:r>
+              <a:rPr>
+                <a:latin typeface="Century"/>
+              </a:rPr>
+              <a:t>Install and maintain anti-virus and anti-spyware </a:t>
+            </a:r>
+            <a:r>
+              <a:rPr>
+                <a:latin typeface="Century"/>
+              </a:rPr>
+              <a:t>software.</a:t>
+            </a:r>
+          </a:p>
+          <a:p>
+            <a:pPr/>
+            <a:r>
+              <a:rPr>
+                <a:latin typeface="Century"/>
+              </a:rPr>
+              <a:t>Be sure to keep anti-virus software </a:t>
+            </a:r>
+            <a:r>
+              <a:rPr>
+                <a:latin typeface="Century"/>
+              </a:rPr>
+              <a:t>updated.</a:t>
+            </a:r>
+          </a:p>
+          <a:p>
+            <a:pPr/>
+            <a:r>
+              <a:rPr>
+                <a:latin typeface="Century"/>
+              </a:rPr>
+              <a:t>Many free and </a:t>
+            </a:r>
+            <a:r>
+              <a:rPr>
+                <a:latin typeface="Century"/>
+              </a:rPr>
+              <a:t>commercial options exist.</a:t>
+            </a:r>
+          </a:p>
+          <a:p>
+            <a:pPr/>
+            <a:r>
+              <a:rPr>
+                <a:latin typeface="Century"/>
+              </a:rPr>
+              <a:t>Contact your Technology Support Professional for assistance.</a:t>
+            </a:r>
+          </a:p>
+          <a:p>
+            <a:pPr/>
           </a:p>
         </p:txBody>
       </p:sp>
       <p:pic>
         <p:nvPicPr>
-          <p:cNvPr id="4" name="object 4" descr=""/>
-          <p:cNvPicPr/>
+          <p:cNvPr id="4" name="Picture 3" descr="image.png"/>
+          <p:cNvPicPr>
+            <a:picLocks noChangeAspect="1"/>
+          </p:cNvPicPr>
           <p:nvPr/>
         </p:nvPicPr>
         <p:blipFill>
-          <a:blip r:embed="rId2" cstate="print"/>
+          <a:blip r:embed="rId2"/>
           <a:stretch>
             <a:fillRect/>
           </a:stretch>
         </p:blipFill>
         <p:spPr>
           <a:xfrm>
-            <a:off x="7851597" y="70916"/>
-            <a:ext cx="1184757" cy="648004"/>
+            <a:off x="2209800" y="3810000"/>
+            <a:ext cx="4572000" cy="2413635"/>
           </a:xfrm>
           <a:prstGeom prst="rect">
             <a:avLst/>
@@ -5329,26 +3894,54 @@
         <p:nvPr/>
       </p:nvGrpSpPr>
       <p:grpSpPr/>
-      <p:sp>
-        <p:nvSpPr>
-          <p:cNvPr id="2" name="object 2"/>
-          <p:cNvSpPr txBox="1">
-            <a:spLocks noGrp="1"/>
-          </p:cNvSpPr>
-          <p:nvPr>
-            <p:ph type="title"/>
-          </p:nvPr>
-        </p:nvSpPr>
+      <p:pic>
+        <p:nvPicPr>
+          <p:cNvPr id="2" name="Picture 1" descr="image.png"/>
+          <p:cNvPicPr>
+            <a:picLocks noChangeAspect="1"/>
+          </p:cNvPicPr>
+          <p:nvPr/>
+        </p:nvPicPr>
+        <p:blipFill>
+          <a:blip r:embed="rId2"/>
+          <a:stretch>
+            <a:fillRect/>
+          </a:stretch>
+        </p:blipFill>
         <p:spPr>
-          <a:prstGeom prst="rect"/>
+          <a:xfrm>
+            <a:off x="528827" y="59435"/>
+            <a:ext cx="8120633" cy="1229106"/>
+          </a:xfrm>
+          <a:prstGeom prst="rect">
+            <a:avLst/>
+          </a:prstGeom>
         </p:spPr>
-        <p:txBody>
-          <a:bodyPr wrap="square" lIns="0" tIns="12700" rIns="0" bIns="0" rtlCol="0" vert="horz">
+      </p:pic>
+      <p:sp>
+        <p:nvSpPr>
+          <p:cNvPr id="3" name="TextBox 2"/>
+          <p:cNvSpPr txBox="1"/>
+          <p:nvPr/>
+        </p:nvSpPr>
+        <p:spPr>
+          <a:xfrm>
+            <a:off x="114401" y="-127304"/>
+            <a:ext cx="8915196" cy="1367790"/>
+          </a:xfrm>
+          <a:prstGeom prst="rect">
+            <a:avLst/>
+          </a:prstGeom>
+          <a:noFill/>
+        </p:spPr>
+        <p:txBody>
+          <a:bodyPr wrap="square">
             <a:spAutoFit/>
           </a:bodyPr>
           <a:lstStyle/>
-          <a:p>
-            <a:pPr marL="12700">
+          <a:p/>
+          <a:p>
+            <a:pPr>
               <a:lnSpc>
                 <a:spcPct val="100000"/>
               </a:lnSpc>
@@ -5357,925 +3950,773 @@
               </a:spcBef>
             </a:pPr>
             <a:r>
-              <a:rPr dirty="0" sz="3200"/>
-              <a:t>Disadvantages</a:t>
-            </a:r>
-            <a:r>
-              <a:rPr dirty="0" sz="3200" spc="-145"/>
-              <a:t> </a:t>
-            </a:r>
-            <a:r>
-              <a:rPr dirty="0" sz="3200" spc="225"/>
-              <a:t>of</a:t>
-            </a:r>
-            <a:r>
-              <a:rPr dirty="0" sz="3200" spc="-140"/>
-              <a:t> </a:t>
-            </a:r>
-            <a:r>
-              <a:rPr dirty="0" sz="3200" spc="95"/>
-              <a:t>Artificial</a:t>
-            </a:r>
-            <a:r>
-              <a:rPr dirty="0" sz="3200" spc="-140"/>
-              <a:t> </a:t>
-            </a:r>
-            <a:r>
-              <a:rPr dirty="0" sz="3200" spc="50"/>
-              <a:t>Intelligence</a:t>
-            </a:r>
-            <a:endParaRPr sz="3200"/>
-          </a:p>
-        </p:txBody>
-      </p:sp>
-      <p:sp>
-        <p:nvSpPr>
-          <p:cNvPr id="3" name="object 3" descr=""/>
-          <p:cNvSpPr txBox="1"/>
-          <p:nvPr/>
-        </p:nvSpPr>
-        <p:spPr>
-          <a:xfrm>
-            <a:off x="535940" y="1430034"/>
-            <a:ext cx="7964170" cy="4212590"/>
-          </a:xfrm>
-          <a:prstGeom prst="rect">
-            <a:avLst/>
-          </a:prstGeom>
-        </p:spPr>
-        <p:txBody>
-          <a:bodyPr wrap="square" lIns="0" tIns="100330" rIns="0" bIns="0" rtlCol="0" vert="horz">
-            <a:spAutoFit/>
-          </a:bodyPr>
-          <a:lstStyle/>
-          <a:p>
-            <a:pPr marL="355600" indent="-342900">
-              <a:lnSpc>
-                <a:spcPct val="100000"/>
-              </a:lnSpc>
-              <a:spcBef>
-                <a:spcPts val="790"/>
-              </a:spcBef>
-              <a:buClr>
-                <a:srgbClr val="6697CC"/>
-              </a:buClr>
-              <a:buFont typeface="Arial MT"/>
-              <a:buChar char="•"/>
-              <a:tabLst>
-                <a:tab pos="355600" algn="l"/>
-              </a:tabLst>
-            </a:pPr>
-            <a:r>
-              <a:rPr dirty="0" sz="2800">
-                <a:latin typeface="Microsoft Sans Serif"/>
-                <a:cs typeface="Microsoft Sans Serif"/>
-              </a:rPr>
-              <a:t>High</a:t>
-            </a:r>
-            <a:r>
-              <a:rPr dirty="0" sz="2800" spc="-35">
-                <a:latin typeface="Microsoft Sans Serif"/>
-                <a:cs typeface="Microsoft Sans Serif"/>
-              </a:rPr>
-              <a:t> </a:t>
-            </a:r>
-            <a:r>
-              <a:rPr dirty="0" sz="2800" spc="-10">
-                <a:latin typeface="Microsoft Sans Serif"/>
-                <a:cs typeface="Microsoft Sans Serif"/>
-              </a:rPr>
-              <a:t>Costs</a:t>
-            </a:r>
-            <a:endParaRPr sz="2800">
-              <a:latin typeface="Microsoft Sans Serif"/>
-              <a:cs typeface="Microsoft Sans Serif"/>
-            </a:endParaRPr>
-          </a:p>
-          <a:p>
-            <a:pPr lvl="1" marL="754380" marR="76200" indent="-285115">
-              <a:lnSpc>
-                <a:spcPts val="3350"/>
-              </a:lnSpc>
-              <a:spcBef>
-                <a:spcPts val="810"/>
-              </a:spcBef>
-              <a:buClr>
-                <a:srgbClr val="6697CC"/>
-              </a:buClr>
-              <a:buFont typeface="Arial MT"/>
-              <a:buChar char="–"/>
-              <a:tabLst>
-                <a:tab pos="755650" algn="l"/>
-              </a:tabLst>
-            </a:pPr>
-            <a:r>
-              <a:rPr dirty="0" sz="2800" spc="-20">
-                <a:latin typeface="Microsoft Sans Serif"/>
-                <a:cs typeface="Microsoft Sans Serif"/>
-              </a:rPr>
-              <a:t>The</a:t>
-            </a:r>
-            <a:r>
-              <a:rPr dirty="0" sz="2800" spc="-80">
-                <a:latin typeface="Microsoft Sans Serif"/>
-                <a:cs typeface="Microsoft Sans Serif"/>
-              </a:rPr>
-              <a:t> </a:t>
-            </a:r>
-            <a:r>
-              <a:rPr dirty="0" sz="2800" spc="75">
-                <a:latin typeface="Microsoft Sans Serif"/>
-                <a:cs typeface="Microsoft Sans Serif"/>
-              </a:rPr>
-              <a:t>ability</a:t>
-            </a:r>
-            <a:r>
-              <a:rPr dirty="0" sz="2800" spc="-70">
-                <a:latin typeface="Microsoft Sans Serif"/>
-                <a:cs typeface="Microsoft Sans Serif"/>
-              </a:rPr>
-              <a:t> </a:t>
-            </a:r>
-            <a:r>
-              <a:rPr dirty="0" sz="2800" spc="204">
-                <a:latin typeface="Microsoft Sans Serif"/>
-                <a:cs typeface="Microsoft Sans Serif"/>
-              </a:rPr>
-              <a:t>to</a:t>
-            </a:r>
-            <a:r>
-              <a:rPr dirty="0" sz="2800" spc="-70">
-                <a:latin typeface="Microsoft Sans Serif"/>
-                <a:cs typeface="Microsoft Sans Serif"/>
-              </a:rPr>
-              <a:t> </a:t>
-            </a:r>
-            <a:r>
-              <a:rPr dirty="0" sz="2800">
-                <a:latin typeface="Microsoft Sans Serif"/>
-                <a:cs typeface="Microsoft Sans Serif"/>
-              </a:rPr>
-              <a:t>create</a:t>
-            </a:r>
-            <a:r>
-              <a:rPr dirty="0" sz="2800" spc="-75">
-                <a:latin typeface="Microsoft Sans Serif"/>
-                <a:cs typeface="Microsoft Sans Serif"/>
-              </a:rPr>
-              <a:t> </a:t>
-            </a:r>
-            <a:r>
-              <a:rPr dirty="0" sz="2800" spc="-110">
-                <a:latin typeface="Microsoft Sans Serif"/>
-                <a:cs typeface="Microsoft Sans Serif"/>
-              </a:rPr>
-              <a:t>a</a:t>
-            </a:r>
-            <a:r>
-              <a:rPr dirty="0" sz="2800" spc="-70">
-                <a:latin typeface="Microsoft Sans Serif"/>
-                <a:cs typeface="Microsoft Sans Serif"/>
-              </a:rPr>
-              <a:t> </a:t>
-            </a:r>
-            <a:r>
-              <a:rPr dirty="0" sz="2800">
-                <a:latin typeface="Microsoft Sans Serif"/>
-                <a:cs typeface="Microsoft Sans Serif"/>
-              </a:rPr>
-              <a:t>machine</a:t>
-            </a:r>
-            <a:r>
-              <a:rPr dirty="0" sz="2800" spc="-75">
-                <a:latin typeface="Microsoft Sans Serif"/>
-                <a:cs typeface="Microsoft Sans Serif"/>
-              </a:rPr>
-              <a:t> </a:t>
-            </a:r>
-            <a:r>
-              <a:rPr dirty="0" sz="2800" spc="145">
-                <a:latin typeface="Microsoft Sans Serif"/>
-                <a:cs typeface="Microsoft Sans Serif"/>
-              </a:rPr>
-              <a:t>that</a:t>
-            </a:r>
-            <a:r>
-              <a:rPr dirty="0" sz="2800" spc="-65">
-                <a:latin typeface="Microsoft Sans Serif"/>
-                <a:cs typeface="Microsoft Sans Serif"/>
-              </a:rPr>
-              <a:t> </a:t>
-            </a:r>
-            <a:r>
-              <a:rPr dirty="0" sz="2800" spc="-25">
-                <a:latin typeface="Microsoft Sans Serif"/>
-                <a:cs typeface="Microsoft Sans Serif"/>
-              </a:rPr>
-              <a:t>can </a:t>
-            </a:r>
-            <a:r>
-              <a:rPr dirty="0" sz="2800" spc="-25">
-                <a:latin typeface="Microsoft Sans Serif"/>
-                <a:cs typeface="Microsoft Sans Serif"/>
-              </a:rPr>
-              <a:t>	</a:t>
-            </a:r>
-            <a:r>
-              <a:rPr dirty="0" sz="2800" spc="45">
-                <a:latin typeface="Microsoft Sans Serif"/>
-                <a:cs typeface="Microsoft Sans Serif"/>
-              </a:rPr>
-              <a:t>simulate</a:t>
-            </a:r>
-            <a:r>
-              <a:rPr dirty="0" sz="2800" spc="-110">
-                <a:latin typeface="Microsoft Sans Serif"/>
-                <a:cs typeface="Microsoft Sans Serif"/>
-              </a:rPr>
-              <a:t> </a:t>
-            </a:r>
-            <a:r>
-              <a:rPr dirty="0" sz="2800">
-                <a:latin typeface="Microsoft Sans Serif"/>
-                <a:cs typeface="Microsoft Sans Serif"/>
-              </a:rPr>
-              <a:t>human</a:t>
-            </a:r>
-            <a:r>
-              <a:rPr dirty="0" sz="2800" spc="-95">
-                <a:latin typeface="Microsoft Sans Serif"/>
-                <a:cs typeface="Microsoft Sans Serif"/>
-              </a:rPr>
-              <a:t> </a:t>
-            </a:r>
-            <a:r>
-              <a:rPr dirty="0" sz="2800" spc="55">
-                <a:latin typeface="Microsoft Sans Serif"/>
-                <a:cs typeface="Microsoft Sans Serif"/>
-              </a:rPr>
-              <a:t>intelligence</a:t>
-            </a:r>
-            <a:r>
-              <a:rPr dirty="0" sz="2800" spc="-95">
-                <a:latin typeface="Microsoft Sans Serif"/>
-                <a:cs typeface="Microsoft Sans Serif"/>
-              </a:rPr>
-              <a:t> </a:t>
-            </a:r>
-            <a:r>
-              <a:rPr dirty="0" sz="2800" spc="-10">
-                <a:latin typeface="Microsoft Sans Serif"/>
-                <a:cs typeface="Microsoft Sans Serif"/>
-              </a:rPr>
-              <a:t>is</a:t>
-            </a:r>
-            <a:r>
-              <a:rPr dirty="0" sz="2800" spc="-105">
-                <a:latin typeface="Microsoft Sans Serif"/>
-                <a:cs typeface="Microsoft Sans Serif"/>
-              </a:rPr>
-              <a:t> </a:t>
-            </a:r>
-            <a:r>
-              <a:rPr dirty="0" sz="2800" spc="60">
-                <a:latin typeface="Microsoft Sans Serif"/>
-                <a:cs typeface="Microsoft Sans Serif"/>
-              </a:rPr>
-              <a:t>no</a:t>
-            </a:r>
-            <a:r>
-              <a:rPr dirty="0" sz="2800" spc="-100">
-                <a:latin typeface="Microsoft Sans Serif"/>
-                <a:cs typeface="Microsoft Sans Serif"/>
-              </a:rPr>
-              <a:t> </a:t>
-            </a:r>
-            <a:r>
-              <a:rPr dirty="0" sz="2800">
-                <a:latin typeface="Microsoft Sans Serif"/>
-                <a:cs typeface="Microsoft Sans Serif"/>
-              </a:rPr>
-              <a:t>small</a:t>
-            </a:r>
-            <a:r>
-              <a:rPr dirty="0" sz="2800" spc="-90">
-                <a:latin typeface="Microsoft Sans Serif"/>
-                <a:cs typeface="Microsoft Sans Serif"/>
-              </a:rPr>
-              <a:t> </a:t>
-            </a:r>
-            <a:r>
-              <a:rPr dirty="0" sz="2800" spc="75">
-                <a:latin typeface="Microsoft Sans Serif"/>
-                <a:cs typeface="Microsoft Sans Serif"/>
-              </a:rPr>
-              <a:t>feat.</a:t>
-            </a:r>
-            <a:endParaRPr sz="2800">
-              <a:latin typeface="Microsoft Sans Serif"/>
-              <a:cs typeface="Microsoft Sans Serif"/>
-            </a:endParaRPr>
-          </a:p>
-          <a:p>
-            <a:pPr lvl="1" marL="754380" marR="180975" indent="-285115">
-              <a:lnSpc>
-                <a:spcPct val="100000"/>
-              </a:lnSpc>
-              <a:spcBef>
-                <a:spcPts val="580"/>
-              </a:spcBef>
-              <a:buClr>
-                <a:srgbClr val="6697CC"/>
-              </a:buClr>
-              <a:buFont typeface="Arial MT"/>
-              <a:buChar char="–"/>
-              <a:tabLst>
-                <a:tab pos="755650" algn="l"/>
-              </a:tabLst>
-            </a:pPr>
-            <a:r>
-              <a:rPr dirty="0" sz="2800" spc="160">
-                <a:latin typeface="Microsoft Sans Serif"/>
-                <a:cs typeface="Microsoft Sans Serif"/>
-              </a:rPr>
-              <a:t>It</a:t>
-            </a:r>
-            <a:r>
-              <a:rPr dirty="0" sz="2800" spc="-65">
-                <a:latin typeface="Microsoft Sans Serif"/>
-                <a:cs typeface="Microsoft Sans Serif"/>
-              </a:rPr>
-              <a:t> </a:t>
-            </a:r>
-            <a:r>
-              <a:rPr dirty="0" sz="2800">
-                <a:latin typeface="Microsoft Sans Serif"/>
-                <a:cs typeface="Microsoft Sans Serif"/>
-              </a:rPr>
-              <a:t>requires</a:t>
-            </a:r>
-            <a:r>
-              <a:rPr dirty="0" sz="2800" spc="-70">
-                <a:latin typeface="Microsoft Sans Serif"/>
-                <a:cs typeface="Microsoft Sans Serif"/>
-              </a:rPr>
-              <a:t> </a:t>
-            </a:r>
-            <a:r>
-              <a:rPr dirty="0" sz="2800" spc="85">
-                <a:latin typeface="Microsoft Sans Serif"/>
-                <a:cs typeface="Microsoft Sans Serif"/>
-              </a:rPr>
-              <a:t>plenty</a:t>
-            </a:r>
-            <a:r>
-              <a:rPr dirty="0" sz="2800" spc="-70">
-                <a:latin typeface="Microsoft Sans Serif"/>
-                <a:cs typeface="Microsoft Sans Serif"/>
-              </a:rPr>
-              <a:t> </a:t>
-            </a:r>
-            <a:r>
-              <a:rPr dirty="0" sz="2800" spc="185">
-                <a:latin typeface="Microsoft Sans Serif"/>
-                <a:cs typeface="Microsoft Sans Serif"/>
-              </a:rPr>
-              <a:t>of</a:t>
-            </a:r>
-            <a:r>
-              <a:rPr dirty="0" sz="2800" spc="-75">
-                <a:latin typeface="Microsoft Sans Serif"/>
-                <a:cs typeface="Microsoft Sans Serif"/>
-              </a:rPr>
-              <a:t> </a:t>
-            </a:r>
-            <a:r>
-              <a:rPr dirty="0" sz="2800" spc="120">
-                <a:latin typeface="Microsoft Sans Serif"/>
-                <a:cs typeface="Microsoft Sans Serif"/>
-              </a:rPr>
-              <a:t>time</a:t>
-            </a:r>
-            <a:r>
-              <a:rPr dirty="0" sz="2800" spc="-70">
-                <a:latin typeface="Microsoft Sans Serif"/>
-                <a:cs typeface="Microsoft Sans Serif"/>
-              </a:rPr>
-              <a:t> </a:t>
-            </a:r>
-            <a:r>
-              <a:rPr dirty="0" sz="2800">
-                <a:latin typeface="Microsoft Sans Serif"/>
-                <a:cs typeface="Microsoft Sans Serif"/>
-              </a:rPr>
-              <a:t>and</a:t>
-            </a:r>
-            <a:r>
-              <a:rPr dirty="0" sz="2800" spc="-70">
-                <a:latin typeface="Microsoft Sans Serif"/>
-                <a:cs typeface="Microsoft Sans Serif"/>
-              </a:rPr>
-              <a:t> </a:t>
-            </a:r>
-            <a:r>
-              <a:rPr dirty="0" sz="2800">
-                <a:latin typeface="Microsoft Sans Serif"/>
-                <a:cs typeface="Microsoft Sans Serif"/>
-              </a:rPr>
-              <a:t>resources</a:t>
-            </a:r>
-            <a:r>
-              <a:rPr dirty="0" sz="2800" spc="-70">
-                <a:latin typeface="Microsoft Sans Serif"/>
-                <a:cs typeface="Microsoft Sans Serif"/>
-              </a:rPr>
-              <a:t> </a:t>
-            </a:r>
-            <a:r>
-              <a:rPr dirty="0" sz="2800" spc="-25">
-                <a:latin typeface="Microsoft Sans Serif"/>
-                <a:cs typeface="Microsoft Sans Serif"/>
-              </a:rPr>
-              <a:t>and </a:t>
-            </a:r>
-            <a:r>
-              <a:rPr dirty="0" sz="2800" spc="-25">
-                <a:latin typeface="Microsoft Sans Serif"/>
-                <a:cs typeface="Microsoft Sans Serif"/>
-              </a:rPr>
-              <a:t>	</a:t>
-            </a:r>
-            <a:r>
-              <a:rPr dirty="0" sz="2800" spc="-50">
-                <a:latin typeface="Microsoft Sans Serif"/>
-                <a:cs typeface="Microsoft Sans Serif"/>
-              </a:rPr>
-              <a:t>can</a:t>
-            </a:r>
-            <a:r>
-              <a:rPr dirty="0" sz="2800" spc="-60">
-                <a:latin typeface="Microsoft Sans Serif"/>
-                <a:cs typeface="Microsoft Sans Serif"/>
-              </a:rPr>
-              <a:t> </a:t>
-            </a:r>
-            <a:r>
-              <a:rPr dirty="0" sz="2800">
-                <a:latin typeface="Microsoft Sans Serif"/>
-                <a:cs typeface="Microsoft Sans Serif"/>
-              </a:rPr>
-              <a:t>cost</a:t>
-            </a:r>
-            <a:r>
-              <a:rPr dirty="0" sz="2800" spc="-50">
-                <a:latin typeface="Microsoft Sans Serif"/>
-                <a:cs typeface="Microsoft Sans Serif"/>
-              </a:rPr>
-              <a:t> </a:t>
-            </a:r>
-            <a:r>
-              <a:rPr dirty="0" sz="2800" spc="-110">
-                <a:latin typeface="Microsoft Sans Serif"/>
-                <a:cs typeface="Microsoft Sans Serif"/>
-              </a:rPr>
-              <a:t>a</a:t>
-            </a:r>
-            <a:r>
-              <a:rPr dirty="0" sz="2800" spc="-60">
-                <a:latin typeface="Microsoft Sans Serif"/>
-                <a:cs typeface="Microsoft Sans Serif"/>
-              </a:rPr>
-              <a:t> </a:t>
-            </a:r>
-            <a:r>
-              <a:rPr dirty="0" sz="2800">
-                <a:latin typeface="Microsoft Sans Serif"/>
-                <a:cs typeface="Microsoft Sans Serif"/>
-              </a:rPr>
-              <a:t>huge</a:t>
-            </a:r>
-            <a:r>
-              <a:rPr dirty="0" sz="2800" spc="-60">
-                <a:latin typeface="Microsoft Sans Serif"/>
-                <a:cs typeface="Microsoft Sans Serif"/>
-              </a:rPr>
-              <a:t> </a:t>
-            </a:r>
-            <a:r>
-              <a:rPr dirty="0" sz="2800">
-                <a:latin typeface="Microsoft Sans Serif"/>
-                <a:cs typeface="Microsoft Sans Serif"/>
-              </a:rPr>
-              <a:t>deal</a:t>
-            </a:r>
-            <a:r>
-              <a:rPr dirty="0" sz="2800" spc="-50">
-                <a:latin typeface="Microsoft Sans Serif"/>
-                <a:cs typeface="Microsoft Sans Serif"/>
-              </a:rPr>
-              <a:t> </a:t>
-            </a:r>
-            <a:r>
-              <a:rPr dirty="0" sz="2800" spc="180">
-                <a:latin typeface="Microsoft Sans Serif"/>
-                <a:cs typeface="Microsoft Sans Serif"/>
-              </a:rPr>
-              <a:t>of</a:t>
-            </a:r>
-            <a:r>
-              <a:rPr dirty="0" sz="2800" spc="-60">
-                <a:latin typeface="Microsoft Sans Serif"/>
-                <a:cs typeface="Microsoft Sans Serif"/>
-              </a:rPr>
-              <a:t> </a:t>
-            </a:r>
-            <a:r>
-              <a:rPr dirty="0" sz="2800" spc="-10">
-                <a:latin typeface="Microsoft Sans Serif"/>
-                <a:cs typeface="Microsoft Sans Serif"/>
-              </a:rPr>
-              <a:t>money.</a:t>
-            </a:r>
-            <a:endParaRPr sz="2800">
-              <a:latin typeface="Microsoft Sans Serif"/>
-              <a:cs typeface="Microsoft Sans Serif"/>
-            </a:endParaRPr>
-          </a:p>
-          <a:p>
-            <a:pPr lvl="1" marL="754380" marR="5080" indent="-285115">
-              <a:lnSpc>
-                <a:spcPct val="100000"/>
-              </a:lnSpc>
-              <a:spcBef>
-                <a:spcPts val="690"/>
-              </a:spcBef>
-              <a:buClr>
-                <a:srgbClr val="6697CC"/>
-              </a:buClr>
-              <a:buFont typeface="Arial MT"/>
-              <a:buChar char="–"/>
-              <a:tabLst>
-                <a:tab pos="755650" algn="l"/>
-              </a:tabLst>
-            </a:pPr>
-            <a:r>
-              <a:rPr dirty="0" sz="2800">
-                <a:latin typeface="Microsoft Sans Serif"/>
-                <a:cs typeface="Microsoft Sans Serif"/>
-              </a:rPr>
-              <a:t>AI</a:t>
-            </a:r>
-            <a:r>
-              <a:rPr dirty="0" sz="2800" spc="-105">
-                <a:latin typeface="Microsoft Sans Serif"/>
-                <a:cs typeface="Microsoft Sans Serif"/>
-              </a:rPr>
-              <a:t> </a:t>
-            </a:r>
-            <a:r>
-              <a:rPr dirty="0" sz="2800" spc="-10">
-                <a:latin typeface="Microsoft Sans Serif"/>
-                <a:cs typeface="Microsoft Sans Serif"/>
-              </a:rPr>
-              <a:t>also</a:t>
-            </a:r>
-            <a:r>
-              <a:rPr dirty="0" sz="2800" spc="-114">
-                <a:latin typeface="Microsoft Sans Serif"/>
-                <a:cs typeface="Microsoft Sans Serif"/>
-              </a:rPr>
-              <a:t> </a:t>
-            </a:r>
-            <a:r>
-              <a:rPr dirty="0" sz="2800">
-                <a:latin typeface="Microsoft Sans Serif"/>
-                <a:cs typeface="Microsoft Sans Serif"/>
-              </a:rPr>
-              <a:t>needs</a:t>
-            </a:r>
-            <a:r>
-              <a:rPr dirty="0" sz="2800" spc="-105">
-                <a:latin typeface="Microsoft Sans Serif"/>
-                <a:cs typeface="Microsoft Sans Serif"/>
-              </a:rPr>
-              <a:t> </a:t>
-            </a:r>
-            <a:r>
-              <a:rPr dirty="0" sz="2800" spc="210">
-                <a:latin typeface="Microsoft Sans Serif"/>
-                <a:cs typeface="Microsoft Sans Serif"/>
-              </a:rPr>
-              <a:t>to</a:t>
-            </a:r>
-            <a:r>
-              <a:rPr dirty="0" sz="2800" spc="-114">
-                <a:latin typeface="Microsoft Sans Serif"/>
-                <a:cs typeface="Microsoft Sans Serif"/>
-              </a:rPr>
-              <a:t> </a:t>
-            </a:r>
-            <a:r>
-              <a:rPr dirty="0" sz="2800" spc="65">
-                <a:latin typeface="Microsoft Sans Serif"/>
-                <a:cs typeface="Microsoft Sans Serif"/>
-              </a:rPr>
-              <a:t>operate</a:t>
-            </a:r>
-            <a:r>
-              <a:rPr dirty="0" sz="2800" spc="-105">
-                <a:latin typeface="Microsoft Sans Serif"/>
-                <a:cs typeface="Microsoft Sans Serif"/>
-              </a:rPr>
-              <a:t> </a:t>
-            </a:r>
-            <a:r>
-              <a:rPr dirty="0" sz="2800">
-                <a:latin typeface="Microsoft Sans Serif"/>
-                <a:cs typeface="Microsoft Sans Serif"/>
-              </a:rPr>
-              <a:t>on</a:t>
-            </a:r>
-            <a:r>
-              <a:rPr dirty="0" sz="2800" spc="-105">
-                <a:latin typeface="Microsoft Sans Serif"/>
-                <a:cs typeface="Microsoft Sans Serif"/>
-              </a:rPr>
-              <a:t> </a:t>
-            </a:r>
-            <a:r>
-              <a:rPr dirty="0" sz="2800" spc="120">
-                <a:latin typeface="Microsoft Sans Serif"/>
-                <a:cs typeface="Microsoft Sans Serif"/>
-              </a:rPr>
-              <a:t>the</a:t>
-            </a:r>
-            <a:r>
-              <a:rPr dirty="0" sz="2800" spc="-110">
-                <a:latin typeface="Microsoft Sans Serif"/>
-                <a:cs typeface="Microsoft Sans Serif"/>
-              </a:rPr>
-              <a:t> </a:t>
-            </a:r>
-            <a:r>
-              <a:rPr dirty="0" sz="2800" spc="80">
-                <a:latin typeface="Microsoft Sans Serif"/>
-                <a:cs typeface="Microsoft Sans Serif"/>
-              </a:rPr>
-              <a:t>latest </a:t>
-            </a:r>
-            <a:r>
-              <a:rPr dirty="0" sz="2800" spc="80">
-                <a:latin typeface="Microsoft Sans Serif"/>
-                <a:cs typeface="Microsoft Sans Serif"/>
-              </a:rPr>
-              <a:t>	</a:t>
-            </a:r>
-            <a:r>
-              <a:rPr dirty="0" sz="2800">
-                <a:latin typeface="Microsoft Sans Serif"/>
-                <a:cs typeface="Microsoft Sans Serif"/>
-              </a:rPr>
-              <a:t>hardware</a:t>
-            </a:r>
-            <a:r>
-              <a:rPr dirty="0" sz="2800" spc="-40">
-                <a:latin typeface="Microsoft Sans Serif"/>
-                <a:cs typeface="Microsoft Sans Serif"/>
-              </a:rPr>
-              <a:t> </a:t>
-            </a:r>
-            <a:r>
-              <a:rPr dirty="0" sz="2800">
-                <a:latin typeface="Microsoft Sans Serif"/>
-                <a:cs typeface="Microsoft Sans Serif"/>
-              </a:rPr>
-              <a:t>and</a:t>
-            </a:r>
-            <a:r>
-              <a:rPr dirty="0" sz="2800" spc="-40">
-                <a:latin typeface="Microsoft Sans Serif"/>
-                <a:cs typeface="Microsoft Sans Serif"/>
-              </a:rPr>
-              <a:t> </a:t>
-            </a:r>
-            <a:r>
-              <a:rPr dirty="0" sz="2800" spc="85">
-                <a:latin typeface="Microsoft Sans Serif"/>
-                <a:cs typeface="Microsoft Sans Serif"/>
-              </a:rPr>
-              <a:t>software</a:t>
-            </a:r>
-            <a:r>
-              <a:rPr dirty="0" sz="2800" spc="-40">
-                <a:latin typeface="Microsoft Sans Serif"/>
-                <a:cs typeface="Microsoft Sans Serif"/>
-              </a:rPr>
-              <a:t> </a:t>
-            </a:r>
-            <a:r>
-              <a:rPr dirty="0" sz="2800" spc="210">
-                <a:latin typeface="Microsoft Sans Serif"/>
-                <a:cs typeface="Microsoft Sans Serif"/>
-              </a:rPr>
-              <a:t>to</a:t>
-            </a:r>
-            <a:r>
-              <a:rPr dirty="0" sz="2800" spc="-45">
-                <a:latin typeface="Microsoft Sans Serif"/>
-                <a:cs typeface="Microsoft Sans Serif"/>
-              </a:rPr>
-              <a:t> </a:t>
-            </a:r>
-            <a:r>
-              <a:rPr dirty="0" sz="2800">
-                <a:latin typeface="Microsoft Sans Serif"/>
-                <a:cs typeface="Microsoft Sans Serif"/>
-              </a:rPr>
-              <a:t>stay</a:t>
-            </a:r>
-            <a:r>
-              <a:rPr dirty="0" sz="2800" spc="-30">
-                <a:latin typeface="Microsoft Sans Serif"/>
-                <a:cs typeface="Microsoft Sans Serif"/>
-              </a:rPr>
-              <a:t> </a:t>
-            </a:r>
-            <a:r>
-              <a:rPr dirty="0" sz="2800" spc="65">
-                <a:latin typeface="Microsoft Sans Serif"/>
-                <a:cs typeface="Microsoft Sans Serif"/>
-              </a:rPr>
-              <a:t>updated</a:t>
-            </a:r>
-            <a:r>
-              <a:rPr dirty="0" sz="2800" spc="-30">
-                <a:latin typeface="Microsoft Sans Serif"/>
-                <a:cs typeface="Microsoft Sans Serif"/>
-              </a:rPr>
-              <a:t> </a:t>
-            </a:r>
-            <a:r>
-              <a:rPr dirty="0" sz="2800" spc="-25">
-                <a:latin typeface="Microsoft Sans Serif"/>
-                <a:cs typeface="Microsoft Sans Serif"/>
-              </a:rPr>
-              <a:t>and </a:t>
-            </a:r>
-            <a:r>
-              <a:rPr dirty="0" sz="2800" spc="-25">
-                <a:latin typeface="Microsoft Sans Serif"/>
-                <a:cs typeface="Microsoft Sans Serif"/>
-              </a:rPr>
-              <a:t>	</a:t>
-            </a:r>
-            <a:r>
-              <a:rPr dirty="0" sz="2800" spc="90">
-                <a:latin typeface="Microsoft Sans Serif"/>
-                <a:cs typeface="Microsoft Sans Serif"/>
-              </a:rPr>
-              <a:t>meet</a:t>
-            </a:r>
-            <a:r>
-              <a:rPr dirty="0" sz="2800" spc="35">
-                <a:latin typeface="Microsoft Sans Serif"/>
-                <a:cs typeface="Microsoft Sans Serif"/>
-              </a:rPr>
-              <a:t> </a:t>
-            </a:r>
-            <a:r>
-              <a:rPr dirty="0" sz="2800" spc="120">
-                <a:latin typeface="Microsoft Sans Serif"/>
-                <a:cs typeface="Microsoft Sans Serif"/>
-              </a:rPr>
-              <a:t>the</a:t>
-            </a:r>
-            <a:r>
-              <a:rPr dirty="0" sz="2800" spc="20">
-                <a:latin typeface="Microsoft Sans Serif"/>
-                <a:cs typeface="Microsoft Sans Serif"/>
-              </a:rPr>
-              <a:t> </a:t>
-            </a:r>
-            <a:r>
-              <a:rPr dirty="0" sz="2800" spc="90">
-                <a:latin typeface="Microsoft Sans Serif"/>
-                <a:cs typeface="Microsoft Sans Serif"/>
-              </a:rPr>
-              <a:t>latest</a:t>
-            </a:r>
-            <a:r>
-              <a:rPr dirty="0" sz="2800" spc="25">
-                <a:latin typeface="Microsoft Sans Serif"/>
-                <a:cs typeface="Microsoft Sans Serif"/>
-              </a:rPr>
-              <a:t> </a:t>
-            </a:r>
-            <a:r>
-              <a:rPr dirty="0" sz="2800">
-                <a:latin typeface="Microsoft Sans Serif"/>
-                <a:cs typeface="Microsoft Sans Serif"/>
-              </a:rPr>
-              <a:t>requirements,</a:t>
-            </a:r>
-            <a:r>
-              <a:rPr dirty="0" sz="2800" spc="15">
-                <a:latin typeface="Microsoft Sans Serif"/>
-                <a:cs typeface="Microsoft Sans Serif"/>
-              </a:rPr>
-              <a:t> </a:t>
-            </a:r>
-            <a:r>
-              <a:rPr dirty="0" sz="2800" spc="60">
-                <a:latin typeface="Microsoft Sans Serif"/>
-                <a:cs typeface="Microsoft Sans Serif"/>
-              </a:rPr>
-              <a:t>thus</a:t>
-            </a:r>
-            <a:r>
-              <a:rPr dirty="0" sz="2800" spc="30">
-                <a:latin typeface="Microsoft Sans Serif"/>
-                <a:cs typeface="Microsoft Sans Serif"/>
-              </a:rPr>
-              <a:t> </a:t>
-            </a:r>
-            <a:r>
-              <a:rPr dirty="0" sz="2800">
-                <a:latin typeface="Microsoft Sans Serif"/>
-                <a:cs typeface="Microsoft Sans Serif"/>
-              </a:rPr>
-              <a:t>making</a:t>
-            </a:r>
-            <a:r>
-              <a:rPr dirty="0" sz="2800" spc="30">
-                <a:latin typeface="Microsoft Sans Serif"/>
-                <a:cs typeface="Microsoft Sans Serif"/>
-              </a:rPr>
-              <a:t> </a:t>
-            </a:r>
-            <a:r>
-              <a:rPr dirty="0" sz="2800" spc="175">
-                <a:latin typeface="Microsoft Sans Serif"/>
-                <a:cs typeface="Microsoft Sans Serif"/>
-              </a:rPr>
-              <a:t>it </a:t>
-            </a:r>
-            <a:r>
-              <a:rPr dirty="0" sz="2800" spc="175">
-                <a:latin typeface="Microsoft Sans Serif"/>
-                <a:cs typeface="Microsoft Sans Serif"/>
-              </a:rPr>
-              <a:t>	</a:t>
-            </a:r>
-            <a:r>
-              <a:rPr dirty="0" sz="2800" spc="100">
-                <a:latin typeface="Microsoft Sans Serif"/>
-                <a:cs typeface="Microsoft Sans Serif"/>
-              </a:rPr>
-              <a:t>quite</a:t>
-            </a:r>
-            <a:r>
-              <a:rPr dirty="0" sz="2800" spc="-100">
-                <a:latin typeface="Microsoft Sans Serif"/>
-                <a:cs typeface="Microsoft Sans Serif"/>
-              </a:rPr>
-              <a:t> </a:t>
-            </a:r>
-            <a:r>
-              <a:rPr dirty="0" sz="2800" spc="-10">
-                <a:latin typeface="Microsoft Sans Serif"/>
-                <a:cs typeface="Microsoft Sans Serif"/>
-              </a:rPr>
-              <a:t>costly.</a:t>
-            </a:r>
-            <a:endParaRPr sz="2800">
-              <a:latin typeface="Microsoft Sans Serif"/>
-              <a:cs typeface="Microsoft Sans Serif"/>
-            </a:endParaRPr>
+              <a:rPr/>
+              <a:t>Deliberate</a:t>
+            </a:r>
+            <a:r>
+              <a:rPr/>
+              <a:t> </a:t>
+            </a:r>
+            <a:r>
+              <a:rPr/>
+              <a:t>Software</a:t>
+            </a:r>
+            <a:r>
+              <a:rPr/>
+              <a:t> </a:t>
+            </a:r>
+            <a:r>
+              <a:rPr/>
+              <a:t>Attacks</a:t>
+            </a:r>
           </a:p>
         </p:txBody>
       </p:sp>
       <p:pic>
         <p:nvPicPr>
-          <p:cNvPr id="4" name="object 4" descr=""/>
-          <p:cNvPicPr/>
+          <p:cNvPr id="4" name="Picture 3" descr="image.png"/>
+          <p:cNvPicPr>
+            <a:picLocks noChangeAspect="1"/>
+          </p:cNvPicPr>
           <p:nvPr/>
         </p:nvPicPr>
         <p:blipFill>
-          <a:blip r:embed="rId2" cstate="print"/>
+          <a:blip r:embed="rId3"/>
           <a:stretch>
             <a:fillRect/>
           </a:stretch>
         </p:blipFill>
         <p:spPr>
           <a:xfrm>
-            <a:off x="7851597" y="70916"/>
-            <a:ext cx="1184757" cy="648004"/>
+            <a:off x="346813" y="1510283"/>
+            <a:ext cx="223113" cy="284988"/>
           </a:xfrm>
           <a:prstGeom prst="rect">
             <a:avLst/>
           </a:prstGeom>
         </p:spPr>
       </p:pic>
+      <p:sp>
+        <p:nvSpPr>
+          <p:cNvPr id="5" name="TextBox 4"/>
+          <p:cNvSpPr txBox="1"/>
+          <p:nvPr/>
+        </p:nvSpPr>
+        <p:spPr>
+          <a:xfrm>
+            <a:off x="650240" y="1392682"/>
+            <a:ext cx="8236584" cy="4221480"/>
+          </a:xfrm>
+          <a:prstGeom prst="rect">
+            <a:avLst/>
+          </a:prstGeom>
+          <a:noFill/>
+        </p:spPr>
+        <p:txBody>
+          <a:bodyPr wrap="square">
+            <a:spAutoFit/>
+          </a:bodyPr>
+          <a:lstStyle/>
+          <a:p/>
+          <a:p>
+            <a:pPr>
+              <a:lnSpc>
+                <a:spcPct val="100000"/>
+              </a:lnSpc>
+              <a:spcBef>
+                <a:spcPts val="105"/>
+              </a:spcBef>
+            </a:pPr>
+            <a:r>
+              <a:rPr sz="3200">
+                <a:latin typeface="Arial"/>
+              </a:rPr>
+              <a:t>Virus</a:t>
+            </a:r>
+            <a:r>
+              <a:rPr sz="3200">
+                <a:latin typeface="Arial"/>
+              </a:rPr>
+              <a:t> </a:t>
+            </a:r>
+            <a:r>
+              <a:rPr sz="3200">
+                <a:latin typeface="Arial"/>
+              </a:rPr>
+              <a:t>is</a:t>
+            </a:r>
+            <a:r>
+              <a:rPr sz="3200">
+                <a:latin typeface="Arial"/>
+              </a:rPr>
+              <a:t> </a:t>
+            </a:r>
+            <a:r>
+              <a:rPr sz="3200">
+                <a:latin typeface="Arial"/>
+              </a:rPr>
+              <a:t>a</a:t>
+            </a:r>
+            <a:r>
+              <a:rPr sz="3200">
+                <a:latin typeface="Arial"/>
+              </a:rPr>
+              <a:t> </a:t>
+            </a:r>
+            <a:r>
+              <a:rPr sz="3200">
+                <a:latin typeface="Arial"/>
+              </a:rPr>
+              <a:t>computer</a:t>
+            </a:r>
+            <a:r>
+              <a:rPr sz="3200">
+                <a:latin typeface="Arial"/>
+              </a:rPr>
+              <a:t> </a:t>
+            </a:r>
+            <a:r>
+              <a:rPr sz="3200">
+                <a:latin typeface="Arial"/>
+              </a:rPr>
+              <a:t>program</a:t>
+            </a:r>
+            <a:r>
+              <a:rPr sz="3200">
+                <a:latin typeface="Arial"/>
+              </a:rPr>
+              <a:t> </a:t>
+            </a:r>
+            <a:r>
+              <a:rPr sz="3200">
+                <a:latin typeface="Arial"/>
+              </a:rPr>
+              <a:t>that</a:t>
+            </a:r>
+            <a:r>
+              <a:rPr sz="3200">
+                <a:latin typeface="Arial"/>
+              </a:rPr>
+              <a:t> </a:t>
+            </a:r>
+            <a:r>
+              <a:rPr sz="3200">
+                <a:latin typeface="Arial"/>
+              </a:rPr>
+              <a:t>attaches </a:t>
+            </a:r>
+            <a:r>
+              <a:rPr sz="3200">
+                <a:latin typeface="Arial"/>
+              </a:rPr>
+              <a:t>itself</a:t>
+            </a:r>
+            <a:r>
+              <a:rPr sz="3200">
+                <a:latin typeface="Arial"/>
+              </a:rPr>
+              <a:t> </a:t>
+            </a:r>
+            <a:r>
+              <a:rPr sz="3200">
+                <a:latin typeface="Arial"/>
+              </a:rPr>
+              <a:t>to</a:t>
+            </a:r>
+            <a:r>
+              <a:rPr sz="3200">
+                <a:latin typeface="Arial"/>
+              </a:rPr>
+              <a:t> </a:t>
+            </a:r>
+            <a:r>
+              <a:rPr sz="3200">
+                <a:latin typeface="Arial"/>
+              </a:rPr>
+              <a:t>an</a:t>
+            </a:r>
+            <a:r>
+              <a:rPr sz="3200">
+                <a:latin typeface="Arial"/>
+              </a:rPr>
+              <a:t> </a:t>
+            </a:r>
+            <a:r>
+              <a:rPr sz="3200">
+                <a:latin typeface="Arial"/>
+              </a:rPr>
+              <a:t>executable</a:t>
+            </a:r>
+            <a:r>
+              <a:rPr sz="3200">
+                <a:latin typeface="Arial"/>
+              </a:rPr>
+              <a:t> </a:t>
+            </a:r>
+            <a:r>
+              <a:rPr sz="3200">
+                <a:latin typeface="Arial"/>
+              </a:rPr>
+              <a:t>file</a:t>
+            </a:r>
+            <a:r>
+              <a:rPr sz="3200">
+                <a:latin typeface="Arial"/>
+              </a:rPr>
+              <a:t> </a:t>
+            </a:r>
+            <a:r>
+              <a:rPr sz="3200">
+                <a:latin typeface="Arial"/>
+              </a:rPr>
+              <a:t>or</a:t>
+            </a:r>
+            <a:r>
+              <a:rPr sz="3200">
+                <a:latin typeface="Arial"/>
+              </a:rPr>
+              <a:t> </a:t>
+            </a:r>
+            <a:r>
+              <a:rPr sz="3200">
+                <a:latin typeface="Arial"/>
+              </a:rPr>
+              <a:t>application.</a:t>
+            </a:r>
+          </a:p>
+          <a:p>
+            <a:pPr>
+              <a:lnSpc>
+                <a:spcPct val="100000"/>
+              </a:lnSpc>
+              <a:spcBef>
+                <a:spcPts val="770"/>
+              </a:spcBef>
+            </a:pPr>
+            <a:r>
+              <a:rPr sz="3200">
+                <a:latin typeface="Arial"/>
+              </a:rPr>
+              <a:t>It</a:t>
+            </a:r>
+            <a:r>
+              <a:rPr sz="3200">
+                <a:latin typeface="Arial"/>
+              </a:rPr>
+              <a:t> </a:t>
+            </a:r>
+            <a:r>
+              <a:rPr sz="3200">
+                <a:latin typeface="Arial"/>
+              </a:rPr>
+              <a:t>can</a:t>
+            </a:r>
+            <a:r>
+              <a:rPr sz="3200">
+                <a:latin typeface="Arial"/>
+              </a:rPr>
+              <a:t> </a:t>
+            </a:r>
+            <a:r>
+              <a:rPr sz="3200">
+                <a:latin typeface="Arial"/>
+              </a:rPr>
+              <a:t>replicate</a:t>
+            </a:r>
+            <a:r>
+              <a:rPr sz="3200">
+                <a:latin typeface="Arial"/>
+              </a:rPr>
+              <a:t> </a:t>
+            </a:r>
+            <a:r>
+              <a:rPr sz="3200">
+                <a:latin typeface="Arial"/>
+              </a:rPr>
+              <a:t>itself,</a:t>
+            </a:r>
+            <a:r>
+              <a:rPr sz="3200">
+                <a:latin typeface="Arial"/>
+              </a:rPr>
+              <a:t> </a:t>
+            </a:r>
+            <a:r>
+              <a:rPr sz="3200">
+                <a:latin typeface="Arial"/>
+              </a:rPr>
+              <a:t>usually</a:t>
+            </a:r>
+            <a:r>
+              <a:rPr sz="3200">
+                <a:latin typeface="Arial"/>
+              </a:rPr>
+              <a:t> </a:t>
+            </a:r>
+            <a:r>
+              <a:rPr sz="3200">
+                <a:latin typeface="Arial"/>
+              </a:rPr>
+              <a:t>through</a:t>
+            </a:r>
+            <a:r>
+              <a:rPr sz="3200">
+                <a:latin typeface="Arial"/>
+              </a:rPr>
+              <a:t> </a:t>
+            </a:r>
+            <a:r>
+              <a:rPr sz="3200">
+                <a:latin typeface="Arial"/>
+              </a:rPr>
+              <a:t>an </a:t>
+            </a:r>
+            <a:r>
+              <a:rPr sz="3200">
+                <a:latin typeface="Arial"/>
+              </a:rPr>
+              <a:t>executable</a:t>
+            </a:r>
+            <a:r>
+              <a:rPr sz="3200">
+                <a:latin typeface="Arial"/>
+              </a:rPr>
+              <a:t> </a:t>
+            </a:r>
+            <a:r>
+              <a:rPr sz="3200">
+                <a:latin typeface="Arial"/>
+              </a:rPr>
+              <a:t>program</a:t>
+            </a:r>
+            <a:r>
+              <a:rPr sz="3200">
+                <a:latin typeface="Arial"/>
+              </a:rPr>
+              <a:t> </a:t>
+            </a:r>
+            <a:r>
+              <a:rPr sz="3200">
+                <a:latin typeface="Arial"/>
+              </a:rPr>
+              <a:t>attached</a:t>
+            </a:r>
+            <a:r>
+              <a:rPr sz="3200">
+                <a:latin typeface="Arial"/>
+              </a:rPr>
+              <a:t> </a:t>
+            </a:r>
+            <a:r>
+              <a:rPr sz="3200">
+                <a:latin typeface="Arial"/>
+              </a:rPr>
+              <a:t>to</a:t>
+            </a:r>
+            <a:r>
+              <a:rPr sz="3200">
+                <a:latin typeface="Arial"/>
+              </a:rPr>
+              <a:t> </a:t>
+            </a:r>
+            <a:r>
+              <a:rPr sz="3200">
+                <a:latin typeface="Arial"/>
+              </a:rPr>
+              <a:t>an</a:t>
+            </a:r>
+            <a:r>
+              <a:rPr sz="3200">
+                <a:latin typeface="Arial"/>
+              </a:rPr>
+              <a:t> </a:t>
+            </a:r>
+            <a:r>
+              <a:rPr sz="3200">
+                <a:latin typeface="Arial"/>
+              </a:rPr>
+              <a:t>e-mail.</a:t>
+            </a:r>
+          </a:p>
+          <a:p>
+            <a:pPr>
+              <a:lnSpc>
+                <a:spcPct val="100000"/>
+              </a:lnSpc>
+              <a:spcBef>
+                <a:spcPts val="770"/>
+              </a:spcBef>
+            </a:pPr>
+            <a:r>
+              <a:rPr sz="3200">
+                <a:latin typeface="Arial"/>
+              </a:rPr>
+              <a:t>The</a:t>
+            </a:r>
+            <a:r>
+              <a:rPr sz="3200">
+                <a:latin typeface="Arial"/>
+              </a:rPr>
+              <a:t> </a:t>
+            </a:r>
+            <a:r>
+              <a:rPr sz="3200">
+                <a:latin typeface="Arial"/>
+              </a:rPr>
+              <a:t>keyword</a:t>
+            </a:r>
+            <a:r>
+              <a:rPr sz="3200">
+                <a:latin typeface="Arial"/>
+              </a:rPr>
+              <a:t> </a:t>
+            </a:r>
+            <a:r>
+              <a:rPr sz="3200">
+                <a:latin typeface="Arial"/>
+              </a:rPr>
+              <a:t>is</a:t>
+            </a:r>
+            <a:r>
+              <a:rPr sz="3200">
+                <a:latin typeface="Arial"/>
+              </a:rPr>
+              <a:t> “attaches”.</a:t>
+            </a:r>
+            <a:r>
+              <a:rPr sz="3200">
+                <a:latin typeface="Arial"/>
+              </a:rPr>
+              <a:t>	A</a:t>
+            </a:r>
+            <a:r>
+              <a:rPr sz="3200">
+                <a:latin typeface="Arial"/>
+              </a:rPr>
+              <a:t> </a:t>
+            </a:r>
+            <a:r>
+              <a:rPr sz="3200">
+                <a:latin typeface="Arial"/>
+              </a:rPr>
+              <a:t>virus</a:t>
+            </a:r>
+            <a:r>
+              <a:rPr sz="3200">
+                <a:latin typeface="Arial"/>
+              </a:rPr>
+              <a:t> </a:t>
+            </a:r>
+            <a:r>
+              <a:rPr sz="3200">
+                <a:latin typeface="Arial"/>
+              </a:rPr>
+              <a:t>can</a:t>
+            </a:r>
+            <a:r>
+              <a:rPr sz="3200">
+                <a:latin typeface="Arial"/>
+              </a:rPr>
+              <a:t> </a:t>
+            </a:r>
+            <a:r>
+              <a:rPr sz="3200">
+                <a:latin typeface="Arial"/>
+              </a:rPr>
+              <a:t>not </a:t>
+            </a:r>
+            <a:r>
+              <a:rPr sz="3200">
+                <a:latin typeface="Arial"/>
+              </a:rPr>
+              <a:t>stand</a:t>
+            </a:r>
+            <a:r>
+              <a:rPr sz="3200">
+                <a:latin typeface="Arial"/>
+              </a:rPr>
+              <a:t> </a:t>
+            </a:r>
+            <a:r>
+              <a:rPr sz="3200">
+                <a:latin typeface="Arial"/>
+              </a:rPr>
+              <a:t>on</a:t>
+            </a:r>
+            <a:r>
+              <a:rPr sz="3200">
+                <a:latin typeface="Arial"/>
+              </a:rPr>
+              <a:t> </a:t>
+            </a:r>
+            <a:r>
+              <a:rPr sz="3200">
+                <a:latin typeface="Arial"/>
+              </a:rPr>
+              <a:t>its</a:t>
+            </a:r>
+            <a:r>
+              <a:rPr sz="3200">
+                <a:latin typeface="Arial"/>
+              </a:rPr>
+              <a:t> own.</a:t>
+            </a:r>
+          </a:p>
+          <a:p>
+            <a:pPr>
+              <a:lnSpc>
+                <a:spcPct val="100000"/>
+              </a:lnSpc>
+              <a:spcBef>
+                <a:spcPts val="765"/>
+              </a:spcBef>
+            </a:pPr>
+            <a:r>
+              <a:rPr sz="3200">
+                <a:latin typeface="Arial"/>
+              </a:rPr>
+              <a:t>You</a:t>
+            </a:r>
+            <a:r>
+              <a:rPr sz="3200">
+                <a:latin typeface="Arial"/>
+              </a:rPr>
+              <a:t> </a:t>
+            </a:r>
+            <a:r>
+              <a:rPr sz="3200">
+                <a:latin typeface="Arial"/>
+              </a:rPr>
+              <a:t>must</a:t>
+            </a:r>
+            <a:r>
+              <a:rPr sz="3200">
+                <a:latin typeface="Arial"/>
+              </a:rPr>
+              <a:t> </a:t>
+            </a:r>
+            <a:r>
+              <a:rPr sz="3200">
+                <a:latin typeface="Arial"/>
+              </a:rPr>
+              <a:t>prevent</a:t>
+            </a:r>
+            <a:r>
+              <a:rPr sz="3200">
+                <a:latin typeface="Arial"/>
+              </a:rPr>
+              <a:t> </a:t>
+            </a:r>
+            <a:r>
+              <a:rPr sz="3200">
+                <a:latin typeface="Arial"/>
+              </a:rPr>
+              <a:t>viruses</a:t>
+            </a:r>
+            <a:r>
+              <a:rPr sz="3200">
+                <a:latin typeface="Arial"/>
+              </a:rPr>
+              <a:t> </a:t>
+            </a:r>
+            <a:r>
+              <a:rPr sz="3200">
+                <a:latin typeface="Arial"/>
+              </a:rPr>
+              <a:t>from</a:t>
+            </a:r>
+            <a:r>
+              <a:rPr sz="3200">
+                <a:latin typeface="Arial"/>
+              </a:rPr>
+              <a:t> </a:t>
+            </a:r>
+            <a:r>
+              <a:rPr sz="3200">
+                <a:latin typeface="Arial"/>
+              </a:rPr>
+              <a:t>being</a:t>
+            </a:r>
+            <a:r>
+              <a:rPr sz="3200">
+                <a:latin typeface="Arial"/>
+              </a:rPr>
+              <a:t> </a:t>
+            </a:r>
+            <a:r>
+              <a:rPr sz="3200">
+                <a:latin typeface="Arial"/>
+              </a:rPr>
+              <a:t>installed </a:t>
+            </a:r>
+            <a:r>
+              <a:rPr sz="3200">
+                <a:latin typeface="Arial"/>
+              </a:rPr>
+              <a:t>on</a:t>
+            </a:r>
+            <a:r>
+              <a:rPr sz="3200">
+                <a:latin typeface="Arial"/>
+              </a:rPr>
+              <a:t> </a:t>
+            </a:r>
+            <a:r>
+              <a:rPr sz="3200">
+                <a:latin typeface="Arial"/>
+              </a:rPr>
+              <a:t>computers</a:t>
+            </a:r>
+            <a:r>
+              <a:rPr sz="3200">
+                <a:latin typeface="Arial"/>
+              </a:rPr>
+              <a:t> </a:t>
+            </a:r>
+            <a:r>
+              <a:rPr sz="3200">
+                <a:latin typeface="Arial"/>
+              </a:rPr>
+              <a:t>in</a:t>
+            </a:r>
+            <a:r>
+              <a:rPr sz="3200">
+                <a:latin typeface="Arial"/>
+              </a:rPr>
+              <a:t> </a:t>
+            </a:r>
+            <a:r>
+              <a:rPr sz="3200">
+                <a:latin typeface="Arial"/>
+              </a:rPr>
+              <a:t>your</a:t>
+            </a:r>
+            <a:r>
+              <a:rPr sz="3200">
+                <a:latin typeface="Arial"/>
+              </a:rPr>
+              <a:t> </a:t>
+            </a:r>
+            <a:r>
+              <a:rPr sz="3200">
+                <a:latin typeface="Arial"/>
+              </a:rPr>
+              <a:t>organizations.</a:t>
+            </a:r>
+          </a:p>
+        </p:txBody>
+      </p:sp>
+      <p:pic>
+        <p:nvPicPr>
+          <p:cNvPr id="6" name="Picture 5" descr="image.png"/>
+          <p:cNvPicPr>
+            <a:picLocks noChangeAspect="1"/>
+          </p:cNvPicPr>
+          <p:nvPr/>
+        </p:nvPicPr>
+        <p:blipFill>
+          <a:blip r:embed="rId3"/>
+          <a:stretch>
+            <a:fillRect/>
+          </a:stretch>
+        </p:blipFill>
+        <p:spPr>
+          <a:xfrm>
+            <a:off x="346813" y="2583179"/>
+            <a:ext cx="223113" cy="284988"/>
+          </a:xfrm>
+          <a:prstGeom prst="rect">
+            <a:avLst/>
+          </a:prstGeom>
+        </p:spPr>
+      </p:pic>
+      <p:pic>
+        <p:nvPicPr>
+          <p:cNvPr id="7" name="Picture 6" descr="image.png"/>
+          <p:cNvPicPr>
+            <a:picLocks noChangeAspect="1"/>
+          </p:cNvPicPr>
+          <p:nvPr/>
+        </p:nvPicPr>
+        <p:blipFill>
+          <a:blip r:embed="rId3"/>
+          <a:stretch>
+            <a:fillRect/>
+          </a:stretch>
+        </p:blipFill>
+        <p:spPr>
+          <a:xfrm>
+            <a:off x="346813" y="3656076"/>
+            <a:ext cx="223113" cy="284988"/>
+          </a:xfrm>
+          <a:prstGeom prst="rect">
+            <a:avLst/>
+          </a:prstGeom>
+        </p:spPr>
+      </p:pic>
+      <p:pic>
+        <p:nvPicPr>
+          <p:cNvPr id="8" name="Picture 7" descr="image.png"/>
+          <p:cNvPicPr>
+            <a:picLocks noChangeAspect="1"/>
+          </p:cNvPicPr>
+          <p:nvPr/>
+        </p:nvPicPr>
+        <p:blipFill>
+          <a:blip r:embed="rId3"/>
+          <a:stretch>
+            <a:fillRect/>
+          </a:stretch>
+        </p:blipFill>
+        <p:spPr>
+          <a:xfrm>
+            <a:off x="346813" y="4728971"/>
+            <a:ext cx="223113" cy="284988"/>
+          </a:xfrm>
+          <a:prstGeom prst="rect">
+            <a:avLst/>
+          </a:prstGeom>
+        </p:spPr>
+      </p:pic>
+      <p:sp>
+        <p:nvSpPr>
+          <p:cNvPr id="9" name="TextBox 8"/>
+          <p:cNvSpPr txBox="1"/>
+          <p:nvPr/>
+        </p:nvSpPr>
+        <p:spPr>
+          <a:xfrm>
+            <a:off x="8367521" y="6522033"/>
+            <a:ext cx="735965" cy="224790"/>
+          </a:xfrm>
+          <a:prstGeom prst="rect">
+            <a:avLst/>
+          </a:prstGeom>
+          <a:noFill/>
+        </p:spPr>
+        <p:txBody>
+          <a:bodyPr wrap="square">
+            <a:spAutoFit/>
+          </a:bodyPr>
+          <a:lstStyle/>
+          <a:p/>
+          <a:p>
+            <a:pPr>
+              <a:lnSpc>
+                <a:spcPts val="1650"/>
+              </a:lnSpc>
+            </a:pPr>
+            <a:r>
+              <a:rPr/>
+              <a:t>Slide</a:t>
+            </a:r>
+            <a:r>
+              <a:rPr/>
+              <a:t> </a:t>
+            </a:r>
+          </a:p>
+        </p:txBody>
+      </p:sp>
     </p:spTree>
   </p:cSld>
   <p:clrMapOvr>
